--- a/MarkovProcess_slides.pptx
+++ b/MarkovProcess_slides.pptx
@@ -5,13 +5,12 @@
     <p:sldMasterId id="2147483648" r:id="rId1"/>
   </p:sldMasterIdLst>
   <p:notesMasterIdLst>
-    <p:notesMasterId r:id="rId6"/>
+    <p:notesMasterId r:id="rId5"/>
   </p:notesMasterIdLst>
   <p:sldIdLst>
     <p:sldId id="256" r:id="rId2"/>
-    <p:sldId id="258" r:id="rId3"/>
-    <p:sldId id="259" r:id="rId4"/>
-    <p:sldId id="260" r:id="rId5"/>
+    <p:sldId id="261" r:id="rId3"/>
+    <p:sldId id="260" r:id="rId4"/>
   </p:sldIdLst>
   <p:sldSz cx="9144000" cy="6858000" type="screen4x3"/>
   <p:notesSz cx="6858000" cy="9144000"/>
@@ -195,7 +194,7 @@
           <a:p>
             <a:fld id="{94C1970A-1358-4649-84B2-04F8929A8B6B}" type="datetimeFigureOut">
               <a:rPr lang="en-US" smtClean="0"/>
-              <a:t>5/3/15</a:t>
+              <a:t>5/4/15</a:t>
             </a:fld>
             <a:endParaRPr lang="en-US"/>
           </a:p>
@@ -509,153 +508,34 @@
           <a:p>
             <a:r>
               <a:rPr lang="en-US" dirty="0" smtClean="0"/>
-              <a:t>Crystallized</a:t>
+              <a:t>In addition to modeling the noises after</a:t>
             </a:r>
             <a:r>
               <a:rPr lang="en-US" baseline="0" dirty="0" smtClean="0"/>
-              <a:t> adult song is often modeled as a Markov process.</a:t>
+              <a:t> the way they’re produced by songbirds, we wanted to try to put sounds together like they do.</a:t>
+            </a:r>
+          </a:p>
+          <a:p>
+            <a:r>
+              <a:rPr lang="en-US" baseline="0" dirty="0" smtClean="0"/>
+              <a:t>The songs of some songbirds are commonly modeled as what’s called a Markov process.</a:t>
+            </a:r>
+          </a:p>
+          <a:p>
+            <a:r>
+              <a:rPr lang="en-US" baseline="0" dirty="0" smtClean="0"/>
+              <a:t>In a Markov process, you have a number of elements – syllables of the bird’s song, in this case – connected to each other. For example, this graph tells you that after it sings syllable B, this bird sometimes sings C, sometimes E, and sometimes another B.</a:t>
+            </a:r>
+          </a:p>
+          <a:p>
+            <a:r>
+              <a:rPr lang="en-US" baseline="0" dirty="0" smtClean="0"/>
+              <a:t>We’ve used Markov processes to compose music.</a:t>
             </a:r>
             <a:endParaRPr lang="en-US" dirty="0" smtClean="0"/>
           </a:p>
           <a:p>
-            <a:r>
-              <a:rPr lang="en-US" dirty="0" smtClean="0"/>
-              <a:t>A Markov process is a system that includes</a:t>
-            </a:r>
-            <a:r>
-              <a:rPr lang="en-US" baseline="0" dirty="0" smtClean="0"/>
-              <a:t> a finite number of states, and transitions between those states.</a:t>
-            </a:r>
-          </a:p>
-          <a:p>
-            <a:r>
-              <a:rPr lang="en-US" baseline="0" dirty="0" smtClean="0"/>
-              <a:t>No memory – all they know is the current state. If this process is at state C, the history of the system doesn’t affect what it does next.</a:t>
-            </a:r>
-          </a:p>
-          <a:p>
-            <a:r>
-              <a:rPr lang="en-US" baseline="0" dirty="0" smtClean="0"/>
-              <a:t>This is quite different from human language, where words at the end of a sentence refer back to things in the beginning of the sentence.</a:t>
-            </a:r>
-          </a:p>
-          <a:p>
-            <a:endParaRPr lang="en-US" baseline="0" dirty="0" smtClean="0"/>
-          </a:p>
-          <a:p>
-            <a:pPr marL="0" marR="0" indent="0" algn="l" defTabSz="457200" rtl="0" eaLnBrk="1" fontAlgn="auto" latinLnBrk="0" hangingPunct="1">
-              <a:lnSpc>
-                <a:spcPct val="100000"/>
-              </a:lnSpc>
-              <a:spcBef>
-                <a:spcPts val="0"/>
-              </a:spcBef>
-              <a:spcAft>
-                <a:spcPts val="0"/>
-              </a:spcAft>
-              <a:buClrTx/>
-              <a:buSzTx/>
-              <a:buFontTx/>
-              <a:buNone/>
-              <a:tabLst/>
-              <a:defRPr/>
-            </a:pPr>
-            <a:r>
-              <a:rPr lang="en-US" dirty="0" smtClean="0"/>
-              <a:t>Many researchers</a:t>
-            </a:r>
-            <a:r>
-              <a:rPr lang="en-US" baseline="0" dirty="0" smtClean="0"/>
-              <a:t> </a:t>
-            </a:r>
-            <a:r>
-              <a:rPr lang="en-US" dirty="0" smtClean="0"/>
-              <a:t>assert that all non-human vocalizations are fully described</a:t>
-            </a:r>
-            <a:r>
-              <a:rPr lang="en-US" baseline="0" dirty="0" smtClean="0"/>
-              <a:t> by </a:t>
-            </a:r>
-            <a:r>
-              <a:rPr lang="en-US" dirty="0" err="1" smtClean="0"/>
-              <a:t>memoryless</a:t>
-            </a:r>
-            <a:r>
-              <a:rPr lang="en-US" baseline="0" dirty="0" smtClean="0"/>
-              <a:t> Markov processes. </a:t>
-            </a:r>
-            <a:r>
-              <a:rPr lang="en-US" dirty="0" smtClean="0"/>
-              <a:t>But actually</a:t>
-            </a:r>
-            <a:r>
-              <a:rPr lang="en-US" baseline="0" dirty="0" smtClean="0"/>
-              <a:t> </a:t>
-            </a:r>
-            <a:r>
-              <a:rPr lang="en-US" dirty="0" smtClean="0"/>
-              <a:t>no</a:t>
-            </a:r>
-            <a:r>
-              <a:rPr lang="en-US" baseline="0" dirty="0" smtClean="0"/>
-              <a:t> one has tested whether non-human animals can learn to produce non-</a:t>
-            </a:r>
-            <a:r>
-              <a:rPr lang="en-US" baseline="0" dirty="0" err="1" smtClean="0"/>
-              <a:t>Markovian</a:t>
-            </a:r>
-            <a:r>
-              <a:rPr lang="en-US" baseline="0" dirty="0" smtClean="0"/>
-              <a:t> syntax if they’re exposed to it when young.</a:t>
-            </a:r>
-          </a:p>
-          <a:p>
-            <a:pPr marL="0" marR="0" indent="0" algn="l" defTabSz="457200" rtl="0" eaLnBrk="1" fontAlgn="auto" latinLnBrk="0" hangingPunct="1">
-              <a:lnSpc>
-                <a:spcPct val="100000"/>
-              </a:lnSpc>
-              <a:spcBef>
-                <a:spcPts val="0"/>
-              </a:spcBef>
-              <a:spcAft>
-                <a:spcPts val="0"/>
-              </a:spcAft>
-              <a:buClrTx/>
-              <a:buSzTx/>
-              <a:buFontTx/>
-              <a:buNone/>
-              <a:tabLst/>
-              <a:defRPr/>
-            </a:pPr>
-            <a:endParaRPr lang="en-US" baseline="0" dirty="0" smtClean="0"/>
-          </a:p>
-          <a:p>
-            <a:pPr marL="0" marR="0" indent="0" algn="l" defTabSz="457200" rtl="0" eaLnBrk="1" fontAlgn="auto" latinLnBrk="0" hangingPunct="1">
-              <a:lnSpc>
-                <a:spcPct val="100000"/>
-              </a:lnSpc>
-              <a:spcBef>
-                <a:spcPts val="0"/>
-              </a:spcBef>
-              <a:spcAft>
-                <a:spcPts val="0"/>
-              </a:spcAft>
-              <a:buClrTx/>
-              <a:buSzTx/>
-              <a:buFontTx/>
-              <a:buNone/>
-              <a:tabLst/>
-              <a:defRPr/>
-            </a:pPr>
-            <a:r>
-              <a:rPr lang="en-US" dirty="0" smtClean="0"/>
-              <a:t>And prior research shows that</a:t>
-            </a:r>
-            <a:r>
-              <a:rPr lang="en-US" baseline="0" dirty="0" smtClean="0"/>
-              <a:t> they can perceive non-adjacent structures.</a:t>
-            </a:r>
-            <a:endParaRPr lang="en-US" dirty="0" smtClean="0"/>
+            <a:endParaRPr lang="en-US" dirty="0"/>
           </a:p>
         </p:txBody>
       </p:sp>
@@ -674,9 +554,9 @@
           <a:bodyPr/>
           <a:lstStyle/>
           <a:p>
-            <a:fld id="{19DDA5AC-790F-B74E-BC48-6C96F4E72619}" type="slidenum">
-              <a:rPr lang="en-US" smtClean="0"/>
-              <a:t>2</a:t>
+            <a:fld id="{4295610C-5584-1346-A6B5-07E48CF5A6C4}" type="slidenum">
+              <a:rPr lang="en-US" smtClean="0"/>
+              <a:t>1</a:t>
             </a:fld>
             <a:endParaRPr lang="en-US"/>
           </a:p>
@@ -685,168 +565,7 @@
     </p:spTree>
     <p:extLst>
       <p:ext uri="{BB962C8B-B14F-4D97-AF65-F5344CB8AC3E}">
-        <p14:creationId xmlns:p14="http://schemas.microsoft.com/office/powerpoint/2010/main" val="1027701568"/>
-      </p:ext>
-    </p:extLst>
-  </p:cSld>
-  <p:clrMapOvr>
-    <a:masterClrMapping/>
-  </p:clrMapOvr>
-</p:notes>
-</file>
-
-<file path=ppt/notesSlides/notesSlide2.xml><?xml version="1.0" encoding="utf-8"?>
-<p:notes xmlns:a="http://schemas.openxmlformats.org/drawingml/2006/main" xmlns:r="http://schemas.openxmlformats.org/officeDocument/2006/relationships" xmlns:p="http://schemas.openxmlformats.org/presentationml/2006/main">
-  <p:cSld>
-    <p:spTree>
-      <p:nvGrpSpPr>
-        <p:cNvPr id="1" name=""/>
-        <p:cNvGrpSpPr/>
-        <p:nvPr/>
-      </p:nvGrpSpPr>
-      <p:grpSpPr>
-        <a:xfrm>
-          <a:off x="0" y="0"/>
-          <a:ext cx="0" cy="0"/>
-          <a:chOff x="0" y="0"/>
-          <a:chExt cx="0" cy="0"/>
-        </a:xfrm>
-      </p:grpSpPr>
-      <p:sp>
-        <p:nvSpPr>
-          <p:cNvPr id="2" name="Slide Image Placeholder 1"/>
-          <p:cNvSpPr>
-            <a:spLocks noGrp="1" noRot="1" noChangeAspect="1"/>
-          </p:cNvSpPr>
-          <p:nvPr>
-            <p:ph type="sldImg"/>
-          </p:nvPr>
-        </p:nvSpPr>
-        <p:spPr/>
-      </p:sp>
-      <p:sp>
-        <p:nvSpPr>
-          <p:cNvPr id="3" name="Notes Placeholder 2"/>
-          <p:cNvSpPr>
-            <a:spLocks noGrp="1"/>
-          </p:cNvSpPr>
-          <p:nvPr>
-            <p:ph type="body" idx="1"/>
-          </p:nvPr>
-        </p:nvSpPr>
-        <p:spPr/>
-        <p:txBody>
-          <a:bodyPr/>
-          <a:lstStyle/>
-          <a:p>
-            <a:r>
-              <a:rPr lang="en-US" dirty="0" smtClean="0"/>
-              <a:t>Sing variable</a:t>
-            </a:r>
-            <a:r>
-              <a:rPr lang="en-US" baseline="0" dirty="0" smtClean="0"/>
-              <a:t> songs.</a:t>
-            </a:r>
-          </a:p>
-          <a:p>
-            <a:r>
-              <a:rPr lang="en-US" baseline="0" dirty="0" smtClean="0"/>
-              <a:t>Learned the center-embedded grammar in perception.</a:t>
-            </a:r>
-            <a:endParaRPr lang="en-US" dirty="0" smtClean="0"/>
-          </a:p>
-          <a:p>
-            <a:endParaRPr lang="en-US" dirty="0" smtClean="0"/>
-          </a:p>
-          <a:p>
-            <a:r>
-              <a:rPr lang="en-US" dirty="0" err="1" smtClean="0"/>
-              <a:t>Hosino</a:t>
-            </a:r>
-            <a:r>
-              <a:rPr lang="en-US" baseline="0" dirty="0" smtClean="0"/>
-              <a:t>, </a:t>
-            </a:r>
-            <a:r>
-              <a:rPr lang="en-US" baseline="0" dirty="0" err="1" smtClean="0"/>
-              <a:t>Okanoya</a:t>
-            </a:r>
-            <a:r>
-              <a:rPr lang="en-US" baseline="0" dirty="0" smtClean="0"/>
-              <a:t> (2000, </a:t>
-            </a:r>
-            <a:r>
-              <a:rPr lang="en-US" baseline="0" dirty="0" err="1" smtClean="0"/>
-              <a:t>NeuroReport</a:t>
-            </a:r>
-            <a:r>
-              <a:rPr lang="en-US" baseline="0" dirty="0" smtClean="0"/>
-              <a:t>) – Spectrogram</a:t>
-            </a:r>
-            <a:endParaRPr lang="en-US" dirty="0" smtClean="0"/>
-          </a:p>
-          <a:p>
-            <a:r>
-              <a:rPr lang="en-US" dirty="0" smtClean="0"/>
-              <a:t>Hampton, Sakata,</a:t>
-            </a:r>
-            <a:r>
-              <a:rPr lang="en-US" baseline="0" dirty="0" smtClean="0"/>
-              <a:t> </a:t>
-            </a:r>
-            <a:r>
-              <a:rPr lang="en-US" baseline="0" dirty="0" err="1" smtClean="0"/>
-              <a:t>Brainard</a:t>
-            </a:r>
-            <a:r>
-              <a:rPr lang="en-US" baseline="0" dirty="0" smtClean="0"/>
-              <a:t> (2009, J </a:t>
-            </a:r>
-            <a:r>
-              <a:rPr lang="en-US" baseline="0" dirty="0" err="1" smtClean="0"/>
-              <a:t>Neurophysiol</a:t>
-            </a:r>
-            <a:r>
-              <a:rPr lang="en-US" baseline="0" dirty="0" smtClean="0"/>
-              <a:t>) – Markov Chain picture</a:t>
-            </a:r>
-          </a:p>
-          <a:p>
-            <a:r>
-              <a:rPr lang="en-US" baseline="0" dirty="0" smtClean="0"/>
-              <a:t>Transition probabilities are stable over time (Warren et al, 2012)</a:t>
-            </a:r>
-            <a:endParaRPr lang="en-US" dirty="0"/>
-          </a:p>
-        </p:txBody>
-      </p:sp>
-      <p:sp>
-        <p:nvSpPr>
-          <p:cNvPr id="4" name="Slide Number Placeholder 3"/>
-          <p:cNvSpPr>
-            <a:spLocks noGrp="1"/>
-          </p:cNvSpPr>
-          <p:nvPr>
-            <p:ph type="sldNum" sz="quarter" idx="10"/>
-          </p:nvPr>
-        </p:nvSpPr>
-        <p:spPr/>
-        <p:txBody>
-          <a:bodyPr/>
-          <a:lstStyle/>
-          <a:p>
-            <a:fld id="{8A7105FC-2132-0643-823C-C271C67A35EB}" type="slidenum">
-              <a:rPr lang="en-US" smtClean="0"/>
-              <a:t>3</a:t>
-            </a:fld>
-            <a:endParaRPr lang="en-US"/>
-          </a:p>
-        </p:txBody>
-      </p:sp>
-    </p:spTree>
-    <p:extLst>
-      <p:ext uri="{BB962C8B-B14F-4D97-AF65-F5344CB8AC3E}">
-        <p14:creationId xmlns:p14="http://schemas.microsoft.com/office/powerpoint/2010/main" val="1043523177"/>
+        <p14:creationId xmlns:p14="http://schemas.microsoft.com/office/powerpoint/2010/main" val="1710179713"/>
       </p:ext>
     </p:extLst>
   </p:cSld>
@@ -1037,7 +756,7 @@
           <a:p>
             <a:fld id="{EE409DDC-B66D-A24B-87EA-780EA57DAD31}" type="datetimeFigureOut">
               <a:rPr lang="en-US" smtClean="0"/>
-              <a:t>5/3/15</a:t>
+              <a:t>5/4/15</a:t>
             </a:fld>
             <a:endParaRPr lang="en-US"/>
           </a:p>
@@ -1207,7 +926,7 @@
           <a:p>
             <a:fld id="{EE409DDC-B66D-A24B-87EA-780EA57DAD31}" type="datetimeFigureOut">
               <a:rPr lang="en-US" smtClean="0"/>
-              <a:t>5/3/15</a:t>
+              <a:t>5/4/15</a:t>
             </a:fld>
             <a:endParaRPr lang="en-US"/>
           </a:p>
@@ -1387,7 +1106,7 @@
           <a:p>
             <a:fld id="{EE409DDC-B66D-A24B-87EA-780EA57DAD31}" type="datetimeFigureOut">
               <a:rPr lang="en-US" smtClean="0"/>
-              <a:t>5/3/15</a:t>
+              <a:t>5/4/15</a:t>
             </a:fld>
             <a:endParaRPr lang="en-US"/>
           </a:p>
@@ -1557,7 +1276,7 @@
           <a:p>
             <a:fld id="{EE409DDC-B66D-A24B-87EA-780EA57DAD31}" type="datetimeFigureOut">
               <a:rPr lang="en-US" smtClean="0"/>
-              <a:t>5/3/15</a:t>
+              <a:t>5/4/15</a:t>
             </a:fld>
             <a:endParaRPr lang="en-US"/>
           </a:p>
@@ -1803,7 +1522,7 @@
           <a:p>
             <a:fld id="{EE409DDC-B66D-A24B-87EA-780EA57DAD31}" type="datetimeFigureOut">
               <a:rPr lang="en-US" smtClean="0"/>
-              <a:t>5/3/15</a:t>
+              <a:t>5/4/15</a:t>
             </a:fld>
             <a:endParaRPr lang="en-US"/>
           </a:p>
@@ -2091,7 +1810,7 @@
           <a:p>
             <a:fld id="{EE409DDC-B66D-A24B-87EA-780EA57DAD31}" type="datetimeFigureOut">
               <a:rPr lang="en-US" smtClean="0"/>
-              <a:t>5/3/15</a:t>
+              <a:t>5/4/15</a:t>
             </a:fld>
             <a:endParaRPr lang="en-US"/>
           </a:p>
@@ -2513,7 +2232,7 @@
           <a:p>
             <a:fld id="{EE409DDC-B66D-A24B-87EA-780EA57DAD31}" type="datetimeFigureOut">
               <a:rPr lang="en-US" smtClean="0"/>
-              <a:t>5/3/15</a:t>
+              <a:t>5/4/15</a:t>
             </a:fld>
             <a:endParaRPr lang="en-US"/>
           </a:p>
@@ -2631,7 +2350,7 @@
           <a:p>
             <a:fld id="{EE409DDC-B66D-A24B-87EA-780EA57DAD31}" type="datetimeFigureOut">
               <a:rPr lang="en-US" smtClean="0"/>
-              <a:t>5/3/15</a:t>
+              <a:t>5/4/15</a:t>
             </a:fld>
             <a:endParaRPr lang="en-US"/>
           </a:p>
@@ -2726,7 +2445,7 @@
           <a:p>
             <a:fld id="{EE409DDC-B66D-A24B-87EA-780EA57DAD31}" type="datetimeFigureOut">
               <a:rPr lang="en-US" smtClean="0"/>
-              <a:t>5/3/15</a:t>
+              <a:t>5/4/15</a:t>
             </a:fld>
             <a:endParaRPr lang="en-US"/>
           </a:p>
@@ -3003,7 +2722,7 @@
           <a:p>
             <a:fld id="{EE409DDC-B66D-A24B-87EA-780EA57DAD31}" type="datetimeFigureOut">
               <a:rPr lang="en-US" smtClean="0"/>
-              <a:t>5/3/15</a:t>
+              <a:t>5/4/15</a:t>
             </a:fld>
             <a:endParaRPr lang="en-US"/>
           </a:p>
@@ -3256,7 +2975,7 @@
           <a:p>
             <a:fld id="{EE409DDC-B66D-A24B-87EA-780EA57DAD31}" type="datetimeFigureOut">
               <a:rPr lang="en-US" smtClean="0"/>
-              <a:t>5/3/15</a:t>
+              <a:t>5/4/15</a:t>
             </a:fld>
             <a:endParaRPr lang="en-US"/>
           </a:p>
@@ -3469,7 +3188,7 @@
           <a:p>
             <a:fld id="{EE409DDC-B66D-A24B-87EA-780EA57DAD31}" type="datetimeFigureOut">
               <a:rPr lang="en-US" smtClean="0"/>
-              <a:t>5/3/15</a:t>
+              <a:t>5/4/15</a:t>
             </a:fld>
             <a:endParaRPr lang="en-US"/>
           </a:p>
@@ -3859,7 +3578,11 @@
           <a:bodyPr/>
           <a:lstStyle/>
           <a:p>
-            <a:endParaRPr lang="en-US"/>
+            <a:r>
+              <a:rPr lang="en-US" dirty="0" smtClean="0"/>
+              <a:t>Notes</a:t>
+            </a:r>
+            <a:endParaRPr lang="en-US" dirty="0"/>
           </a:p>
         </p:txBody>
       </p:sp>
@@ -3912,745 +3635,48 @@
           <a:chExt cx="0" cy="0"/>
         </a:xfrm>
       </p:grpSpPr>
-      <p:sp>
-        <p:nvSpPr>
-          <p:cNvPr id="2" name="Title 1"/>
-          <p:cNvSpPr>
-            <a:spLocks noGrp="1"/>
-          </p:cNvSpPr>
-          <p:nvPr>
-            <p:ph type="title"/>
-          </p:nvPr>
-        </p:nvSpPr>
-        <p:spPr/>
-        <p:txBody>
-          <a:bodyPr>
-            <a:normAutofit fontScale="90000"/>
-          </a:bodyPr>
-          <a:lstStyle/>
-          <a:p>
-            <a:r>
-              <a:rPr lang="en-US" dirty="0" smtClean="0"/>
-              <a:t>Birdsong syntax is modeled as a Markov process</a:t>
-            </a:r>
-            <a:endParaRPr lang="en-US" dirty="0"/>
-          </a:p>
-        </p:txBody>
-      </p:sp>
-      <p:sp>
-        <p:nvSpPr>
-          <p:cNvPr id="4" name="Oval 3"/>
-          <p:cNvSpPr/>
-          <p:nvPr/>
-        </p:nvSpPr>
-        <p:spPr>
-          <a:xfrm>
-            <a:off x="3132411" y="2473529"/>
-            <a:ext cx="530289" cy="530357"/>
-          </a:xfrm>
-          <a:prstGeom prst="ellipse">
-            <a:avLst/>
-          </a:prstGeom>
-        </p:spPr>
-        <p:style>
-          <a:lnRef idx="2">
-            <a:schemeClr val="dk1"/>
-          </a:lnRef>
-          <a:fillRef idx="1">
-            <a:schemeClr val="lt1"/>
-          </a:fillRef>
-          <a:effectRef idx="0">
-            <a:schemeClr val="dk1"/>
-          </a:effectRef>
-          <a:fontRef idx="minor">
-            <a:schemeClr val="dk1"/>
-          </a:fontRef>
-        </p:style>
-        <p:txBody>
-          <a:bodyPr rtlCol="0" anchor="ctr"/>
-          <a:lstStyle/>
-          <a:p>
-            <a:pPr algn="ctr"/>
-            <a:r>
-              <a:rPr lang="en-US" sz="2800" dirty="0" smtClean="0"/>
-              <a:t>c</a:t>
-            </a:r>
-            <a:endParaRPr lang="en-US" sz="2800" dirty="0"/>
-          </a:p>
-        </p:txBody>
-      </p:sp>
-      <p:sp>
-        <p:nvSpPr>
-          <p:cNvPr id="5" name="Oval 4"/>
-          <p:cNvSpPr/>
-          <p:nvPr/>
-        </p:nvSpPr>
-        <p:spPr>
-          <a:xfrm>
-            <a:off x="4081938" y="1943172"/>
-            <a:ext cx="530289" cy="530357"/>
-          </a:xfrm>
-          <a:prstGeom prst="ellipse">
-            <a:avLst/>
-          </a:prstGeom>
-        </p:spPr>
-        <p:style>
-          <a:lnRef idx="2">
-            <a:schemeClr val="dk1"/>
-          </a:lnRef>
-          <a:fillRef idx="1">
-            <a:schemeClr val="lt1"/>
-          </a:fillRef>
-          <a:effectRef idx="0">
-            <a:schemeClr val="dk1"/>
-          </a:effectRef>
-          <a:fontRef idx="minor">
-            <a:schemeClr val="dk1"/>
-          </a:fontRef>
-        </p:style>
-        <p:txBody>
-          <a:bodyPr rtlCol="0" anchor="ctr"/>
-          <a:lstStyle/>
-          <a:p>
-            <a:pPr algn="ctr"/>
-            <a:r>
-              <a:rPr lang="en-US" sz="2800" dirty="0" smtClean="0"/>
-              <a:t>d</a:t>
-            </a:r>
-            <a:endParaRPr lang="en-US" sz="2800" dirty="0"/>
-          </a:p>
-        </p:txBody>
-      </p:sp>
-      <p:sp>
-        <p:nvSpPr>
-          <p:cNvPr id="6" name="Oval 5"/>
-          <p:cNvSpPr/>
-          <p:nvPr/>
-        </p:nvSpPr>
-        <p:spPr>
-          <a:xfrm>
-            <a:off x="4081938" y="3003886"/>
-            <a:ext cx="530289" cy="530357"/>
-          </a:xfrm>
-          <a:prstGeom prst="ellipse">
-            <a:avLst/>
-          </a:prstGeom>
-        </p:spPr>
-        <p:style>
-          <a:lnRef idx="2">
-            <a:schemeClr val="dk1"/>
-          </a:lnRef>
-          <a:fillRef idx="1">
-            <a:schemeClr val="lt1"/>
-          </a:fillRef>
-          <a:effectRef idx="0">
-            <a:schemeClr val="dk1"/>
-          </a:effectRef>
-          <a:fontRef idx="minor">
-            <a:schemeClr val="dk1"/>
-          </a:fontRef>
-        </p:style>
-        <p:txBody>
-          <a:bodyPr rtlCol="0" anchor="ctr"/>
-          <a:lstStyle/>
-          <a:p>
-            <a:pPr algn="ctr"/>
-            <a:r>
-              <a:rPr lang="en-US" sz="2800" dirty="0" smtClean="0"/>
-              <a:t>e</a:t>
-            </a:r>
-            <a:endParaRPr lang="en-US" sz="2800" dirty="0"/>
-          </a:p>
-        </p:txBody>
-      </p:sp>
-      <p:cxnSp>
-        <p:nvCxnSpPr>
-          <p:cNvPr id="10" name="Straight Arrow Connector 9"/>
-          <p:cNvCxnSpPr>
-            <a:stCxn id="4" idx="7"/>
-            <a:endCxn id="5" idx="2"/>
-          </p:cNvCxnSpPr>
-          <p:nvPr/>
-        </p:nvCxnSpPr>
-        <p:spPr>
-          <a:xfrm flipV="1">
-            <a:off x="3585041" y="2208351"/>
-            <a:ext cx="496897" cy="342847"/>
-          </a:xfrm>
-          <a:prstGeom prst="straightConnector1">
-            <a:avLst/>
-          </a:prstGeom>
-          <a:ln w="28575" cmpd="sng">
-            <a:solidFill>
-              <a:schemeClr val="tx1"/>
-            </a:solidFill>
-            <a:headEnd type="none"/>
-            <a:tailEnd type="triangle"/>
-          </a:ln>
-          <a:effectLst/>
-        </p:spPr>
-        <p:style>
-          <a:lnRef idx="2">
-            <a:schemeClr val="dk1"/>
-          </a:lnRef>
-          <a:fillRef idx="0">
-            <a:schemeClr val="dk1"/>
-          </a:fillRef>
-          <a:effectRef idx="1">
-            <a:schemeClr val="dk1"/>
-          </a:effectRef>
-          <a:fontRef idx="minor">
-            <a:schemeClr val="tx1"/>
-          </a:fontRef>
-        </p:style>
-      </p:cxnSp>
-      <p:cxnSp>
-        <p:nvCxnSpPr>
-          <p:cNvPr id="11" name="Straight Arrow Connector 10"/>
-          <p:cNvCxnSpPr>
-            <a:stCxn id="4" idx="5"/>
-            <a:endCxn id="6" idx="2"/>
-          </p:cNvCxnSpPr>
-          <p:nvPr/>
-        </p:nvCxnSpPr>
-        <p:spPr>
-          <a:xfrm>
-            <a:off x="3585041" y="2926217"/>
-            <a:ext cx="496897" cy="342848"/>
-          </a:xfrm>
-          <a:prstGeom prst="straightConnector1">
-            <a:avLst/>
-          </a:prstGeom>
-          <a:ln w="28575" cmpd="sng">
-            <a:solidFill>
-              <a:schemeClr val="tx1"/>
-            </a:solidFill>
-            <a:headEnd type="none"/>
-            <a:tailEnd type="triangle"/>
-          </a:ln>
-          <a:effectLst/>
-        </p:spPr>
-        <p:style>
-          <a:lnRef idx="2">
-            <a:schemeClr val="dk1"/>
-          </a:lnRef>
-          <a:fillRef idx="0">
-            <a:schemeClr val="dk1"/>
-          </a:fillRef>
-          <a:effectRef idx="1">
-            <a:schemeClr val="dk1"/>
-          </a:effectRef>
-          <a:fontRef idx="minor">
-            <a:schemeClr val="tx1"/>
-          </a:fontRef>
-        </p:style>
-      </p:cxnSp>
-      <p:sp>
-        <p:nvSpPr>
-          <p:cNvPr id="12" name="TextBox 11"/>
-          <p:cNvSpPr txBox="1"/>
-          <p:nvPr/>
-        </p:nvSpPr>
-        <p:spPr>
-          <a:xfrm>
-            <a:off x="501805" y="4044350"/>
-            <a:ext cx="8184995" cy="584776"/>
-          </a:xfrm>
-          <a:prstGeom prst="rect">
-            <a:avLst/>
-          </a:prstGeom>
-          <a:noFill/>
-        </p:spPr>
-        <p:txBody>
-          <a:bodyPr wrap="square" rtlCol="0">
-            <a:spAutoFit/>
-          </a:bodyPr>
-          <a:lstStyle/>
-          <a:p>
-            <a:r>
-              <a:rPr lang="en-US" sz="3200" dirty="0" smtClean="0"/>
-              <a:t>No memory, </a:t>
-            </a:r>
-            <a:r>
-              <a:rPr lang="en-US" sz="3200" dirty="0" smtClean="0">
-                <a:sym typeface="Wingdings"/>
-              </a:rPr>
-              <a:t>no </a:t>
-            </a:r>
-            <a:r>
-              <a:rPr lang="en-US" sz="3200" dirty="0" smtClean="0"/>
-              <a:t>non-adjacent dependencies.</a:t>
-            </a:r>
-            <a:endParaRPr lang="en-US" sz="3200" dirty="0"/>
-          </a:p>
-        </p:txBody>
-      </p:sp>
-      <p:sp>
-        <p:nvSpPr>
-          <p:cNvPr id="22" name="Oval 21"/>
-          <p:cNvSpPr/>
-          <p:nvPr/>
-        </p:nvSpPr>
-        <p:spPr>
-          <a:xfrm>
-            <a:off x="2158972" y="1943172"/>
-            <a:ext cx="530289" cy="530357"/>
-          </a:xfrm>
-          <a:prstGeom prst="ellipse">
-            <a:avLst/>
-          </a:prstGeom>
-        </p:spPr>
-        <p:style>
-          <a:lnRef idx="2">
-            <a:schemeClr val="dk1"/>
-          </a:lnRef>
-          <a:fillRef idx="1">
-            <a:schemeClr val="lt1"/>
-          </a:fillRef>
-          <a:effectRef idx="0">
-            <a:schemeClr val="dk1"/>
-          </a:effectRef>
-          <a:fontRef idx="minor">
-            <a:schemeClr val="dk1"/>
-          </a:fontRef>
-        </p:style>
-        <p:txBody>
-          <a:bodyPr rtlCol="0" anchor="ctr"/>
-          <a:lstStyle/>
-          <a:p>
-            <a:pPr algn="ctr"/>
-            <a:r>
-              <a:rPr lang="en-US" sz="2800" dirty="0" smtClean="0"/>
-              <a:t>a</a:t>
-            </a:r>
-            <a:endParaRPr lang="en-US" sz="2800" dirty="0"/>
-          </a:p>
-        </p:txBody>
-      </p:sp>
-      <p:sp>
-        <p:nvSpPr>
-          <p:cNvPr id="23" name="Oval 22"/>
-          <p:cNvSpPr/>
-          <p:nvPr/>
-        </p:nvSpPr>
-        <p:spPr>
-          <a:xfrm>
-            <a:off x="2158972" y="3003886"/>
-            <a:ext cx="530289" cy="530357"/>
-          </a:xfrm>
-          <a:prstGeom prst="ellipse">
-            <a:avLst/>
-          </a:prstGeom>
-        </p:spPr>
-        <p:style>
-          <a:lnRef idx="2">
-            <a:schemeClr val="dk1"/>
-          </a:lnRef>
-          <a:fillRef idx="1">
-            <a:schemeClr val="lt1"/>
-          </a:fillRef>
-          <a:effectRef idx="0">
-            <a:schemeClr val="dk1"/>
-          </a:effectRef>
-          <a:fontRef idx="minor">
-            <a:schemeClr val="dk1"/>
-          </a:fontRef>
-        </p:style>
-        <p:txBody>
-          <a:bodyPr rtlCol="0" anchor="ctr"/>
-          <a:lstStyle/>
-          <a:p>
-            <a:pPr algn="ctr"/>
-            <a:r>
-              <a:rPr lang="en-US" sz="2800" dirty="0" smtClean="0"/>
-              <a:t>b</a:t>
-            </a:r>
-            <a:endParaRPr lang="en-US" sz="2800" dirty="0"/>
-          </a:p>
-        </p:txBody>
-      </p:sp>
-      <p:cxnSp>
-        <p:nvCxnSpPr>
-          <p:cNvPr id="25" name="Straight Arrow Connector 24"/>
-          <p:cNvCxnSpPr>
-            <a:stCxn id="22" idx="6"/>
-            <a:endCxn id="4" idx="1"/>
-          </p:cNvCxnSpPr>
-          <p:nvPr/>
-        </p:nvCxnSpPr>
-        <p:spPr>
-          <a:xfrm>
-            <a:off x="2689261" y="2208351"/>
-            <a:ext cx="520809" cy="342847"/>
-          </a:xfrm>
-          <a:prstGeom prst="straightConnector1">
-            <a:avLst/>
-          </a:prstGeom>
-          <a:ln w="28575" cmpd="sng">
-            <a:solidFill>
-              <a:schemeClr val="tx1"/>
-            </a:solidFill>
-            <a:headEnd type="none"/>
-            <a:tailEnd type="triangle"/>
-          </a:ln>
-          <a:effectLst/>
-        </p:spPr>
-        <p:style>
-          <a:lnRef idx="2">
-            <a:schemeClr val="dk1"/>
-          </a:lnRef>
-          <a:fillRef idx="0">
-            <a:schemeClr val="dk1"/>
-          </a:fillRef>
-          <a:effectRef idx="1">
-            <a:schemeClr val="dk1"/>
-          </a:effectRef>
-          <a:fontRef idx="minor">
-            <a:schemeClr val="tx1"/>
-          </a:fontRef>
-        </p:style>
-      </p:cxnSp>
-      <p:cxnSp>
-        <p:nvCxnSpPr>
-          <p:cNvPr id="26" name="Straight Arrow Connector 25"/>
-          <p:cNvCxnSpPr>
-            <a:stCxn id="23" idx="6"/>
-            <a:endCxn id="4" idx="3"/>
-          </p:cNvCxnSpPr>
-          <p:nvPr/>
-        </p:nvCxnSpPr>
-        <p:spPr>
-          <a:xfrm flipV="1">
-            <a:off x="2689261" y="2926217"/>
-            <a:ext cx="520809" cy="342848"/>
-          </a:xfrm>
-          <a:prstGeom prst="straightConnector1">
-            <a:avLst/>
-          </a:prstGeom>
-          <a:ln w="28575" cmpd="sng">
-            <a:solidFill>
-              <a:schemeClr val="tx1"/>
-            </a:solidFill>
-            <a:headEnd type="none"/>
-            <a:tailEnd type="triangle"/>
-          </a:ln>
-          <a:effectLst/>
-        </p:spPr>
-        <p:style>
-          <a:lnRef idx="2">
-            <a:schemeClr val="dk1"/>
-          </a:lnRef>
-          <a:fillRef idx="0">
-            <a:schemeClr val="dk1"/>
-          </a:fillRef>
-          <a:effectRef idx="1">
-            <a:schemeClr val="dk1"/>
-          </a:effectRef>
-          <a:fontRef idx="minor">
-            <a:schemeClr val="tx1"/>
-          </a:fontRef>
-        </p:style>
-      </p:cxnSp>
-      <p:sp>
-        <p:nvSpPr>
-          <p:cNvPr id="32" name="Oval 31"/>
-          <p:cNvSpPr/>
-          <p:nvPr/>
-        </p:nvSpPr>
-        <p:spPr>
-          <a:xfrm>
-            <a:off x="1400689" y="2473529"/>
-            <a:ext cx="530289" cy="530357"/>
-          </a:xfrm>
-          <a:prstGeom prst="ellipse">
-            <a:avLst/>
-          </a:prstGeom>
-        </p:spPr>
-        <p:style>
-          <a:lnRef idx="2">
-            <a:schemeClr val="dk1"/>
-          </a:lnRef>
-          <a:fillRef idx="1">
-            <a:schemeClr val="lt1"/>
-          </a:fillRef>
-          <a:effectRef idx="0">
-            <a:schemeClr val="dk1"/>
-          </a:effectRef>
-          <a:fontRef idx="minor">
-            <a:schemeClr val="dk1"/>
-          </a:fontRef>
-        </p:style>
-        <p:txBody>
-          <a:bodyPr rtlCol="0" anchor="ctr"/>
-          <a:lstStyle/>
-          <a:p>
-            <a:pPr algn="ctr"/>
-            <a:r>
-              <a:rPr lang="en-US" sz="2800" dirty="0" err="1"/>
-              <a:t>i</a:t>
-            </a:r>
-            <a:endParaRPr lang="en-US" sz="2800" dirty="0"/>
-          </a:p>
-        </p:txBody>
-      </p:sp>
-      <p:cxnSp>
-        <p:nvCxnSpPr>
-          <p:cNvPr id="33" name="Straight Arrow Connector 32"/>
-          <p:cNvCxnSpPr>
-            <a:endCxn id="22" idx="2"/>
-          </p:cNvCxnSpPr>
-          <p:nvPr/>
-        </p:nvCxnSpPr>
-        <p:spPr>
-          <a:xfrm flipV="1">
-            <a:off x="1813270" y="2208351"/>
-            <a:ext cx="345702" cy="323823"/>
-          </a:xfrm>
-          <a:prstGeom prst="straightConnector1">
-            <a:avLst/>
-          </a:prstGeom>
-          <a:ln w="28575" cmpd="sng">
-            <a:solidFill>
-              <a:schemeClr val="tx1"/>
-            </a:solidFill>
-            <a:headEnd type="none"/>
-            <a:tailEnd type="triangle"/>
-          </a:ln>
-          <a:effectLst/>
-        </p:spPr>
-        <p:style>
-          <a:lnRef idx="2">
-            <a:schemeClr val="dk1"/>
-          </a:lnRef>
-          <a:fillRef idx="0">
-            <a:schemeClr val="dk1"/>
-          </a:fillRef>
-          <a:effectRef idx="1">
-            <a:schemeClr val="dk1"/>
-          </a:effectRef>
-          <a:fontRef idx="minor">
-            <a:schemeClr val="tx1"/>
-          </a:fontRef>
-        </p:style>
-      </p:cxnSp>
-      <p:cxnSp>
-        <p:nvCxnSpPr>
-          <p:cNvPr id="34" name="Straight Arrow Connector 33"/>
-          <p:cNvCxnSpPr>
-            <a:stCxn id="32" idx="5"/>
-            <a:endCxn id="23" idx="2"/>
-          </p:cNvCxnSpPr>
-          <p:nvPr/>
-        </p:nvCxnSpPr>
-        <p:spPr>
-          <a:xfrm>
-            <a:off x="1853319" y="2926217"/>
-            <a:ext cx="305653" cy="342848"/>
-          </a:xfrm>
-          <a:prstGeom prst="straightConnector1">
-            <a:avLst/>
-          </a:prstGeom>
-          <a:ln w="28575" cmpd="sng">
-            <a:solidFill>
-              <a:schemeClr val="tx1"/>
-            </a:solidFill>
-            <a:headEnd type="none"/>
-            <a:tailEnd type="triangle"/>
-          </a:ln>
-          <a:effectLst/>
-        </p:spPr>
-        <p:style>
-          <a:lnRef idx="2">
-            <a:schemeClr val="dk1"/>
-          </a:lnRef>
-          <a:fillRef idx="0">
-            <a:schemeClr val="dk1"/>
-          </a:fillRef>
-          <a:effectRef idx="1">
-            <a:schemeClr val="dk1"/>
-          </a:effectRef>
-          <a:fontRef idx="minor">
-            <a:schemeClr val="tx1"/>
-          </a:fontRef>
-        </p:style>
-      </p:cxnSp>
-      <p:cxnSp>
-        <p:nvCxnSpPr>
-          <p:cNvPr id="40" name="Straight Arrow Connector 39"/>
-          <p:cNvCxnSpPr>
-            <a:stCxn id="5" idx="6"/>
-          </p:cNvCxnSpPr>
-          <p:nvPr/>
-        </p:nvCxnSpPr>
-        <p:spPr>
-          <a:xfrm>
-            <a:off x="4612227" y="2208351"/>
-            <a:ext cx="791183" cy="0"/>
-          </a:xfrm>
-          <a:prstGeom prst="straightConnector1">
-            <a:avLst/>
-          </a:prstGeom>
-          <a:ln w="28575" cmpd="sng">
-            <a:solidFill>
-              <a:schemeClr val="tx1"/>
-            </a:solidFill>
-            <a:prstDash val="dash"/>
-            <a:headEnd type="none"/>
-            <a:tailEnd type="triangle"/>
-          </a:ln>
-          <a:effectLst/>
-        </p:spPr>
-        <p:style>
-          <a:lnRef idx="2">
-            <a:schemeClr val="dk1"/>
-          </a:lnRef>
-          <a:fillRef idx="0">
-            <a:schemeClr val="dk1"/>
-          </a:fillRef>
-          <a:effectRef idx="1">
-            <a:schemeClr val="dk1"/>
-          </a:effectRef>
-          <a:fontRef idx="minor">
-            <a:schemeClr val="tx1"/>
-          </a:fontRef>
-        </p:style>
-      </p:cxnSp>
-      <p:cxnSp>
-        <p:nvCxnSpPr>
-          <p:cNvPr id="43" name="Straight Arrow Connector 42"/>
-          <p:cNvCxnSpPr>
-            <a:stCxn id="6" idx="6"/>
-          </p:cNvCxnSpPr>
-          <p:nvPr/>
-        </p:nvCxnSpPr>
-        <p:spPr>
-          <a:xfrm>
-            <a:off x="4612227" y="3269065"/>
-            <a:ext cx="806605" cy="0"/>
-          </a:xfrm>
-          <a:prstGeom prst="straightConnector1">
-            <a:avLst/>
-          </a:prstGeom>
-          <a:ln w="28575" cmpd="sng">
-            <a:solidFill>
-              <a:schemeClr val="tx1"/>
-            </a:solidFill>
-            <a:prstDash val="dash"/>
-            <a:headEnd type="none"/>
-            <a:tailEnd type="triangle"/>
-          </a:ln>
-          <a:effectLst/>
-        </p:spPr>
-        <p:style>
-          <a:lnRef idx="2">
-            <a:schemeClr val="dk1"/>
-          </a:lnRef>
-          <a:fillRef idx="0">
-            <a:schemeClr val="dk1"/>
-          </a:fillRef>
-          <a:effectRef idx="1">
-            <a:schemeClr val="dk1"/>
-          </a:effectRef>
-          <a:fontRef idx="minor">
-            <a:schemeClr val="tx1"/>
-          </a:fontRef>
-        </p:style>
-      </p:cxnSp>
       <p:grpSp>
         <p:nvGrpSpPr>
-          <p:cNvPr id="14" name="Group 13"/>
+          <p:cNvPr id="3" name="Group 2"/>
           <p:cNvGrpSpPr/>
           <p:nvPr/>
         </p:nvGrpSpPr>
         <p:grpSpPr>
           <a:xfrm>
-            <a:off x="1330269" y="5013484"/>
-            <a:ext cx="7142700" cy="1369983"/>
-            <a:chOff x="1798127" y="5307280"/>
-            <a:chExt cx="5940247" cy="1369983"/>
+            <a:off x="7207019" y="4088132"/>
+            <a:ext cx="372306" cy="335775"/>
+            <a:chOff x="3404805" y="3853403"/>
+            <a:chExt cx="372306" cy="335775"/>
           </a:xfrm>
         </p:grpSpPr>
         <p:sp>
           <p:nvSpPr>
-            <p:cNvPr id="3" name="TextBox 2"/>
-            <p:cNvSpPr txBox="1"/>
+            <p:cNvPr id="17" name="Oval 16"/>
+            <p:cNvSpPr/>
             <p:nvPr/>
           </p:nvSpPr>
           <p:spPr>
             <a:xfrm>
-              <a:off x="1798127" y="6092487"/>
-              <a:ext cx="5940247" cy="584776"/>
+              <a:off x="3404805" y="3853403"/>
+              <a:ext cx="328821" cy="335775"/>
             </a:xfrm>
-            <a:prstGeom prst="rect">
+            <a:prstGeom prst="ellipse">
               <a:avLst/>
             </a:prstGeom>
-            <a:noFill/>
-          </p:spPr>
-          <p:txBody>
-            <a:bodyPr wrap="none" rtlCol="0">
-              <a:spAutoFit/>
-            </a:bodyPr>
-            <a:lstStyle/>
-            <a:p>
-              <a:r>
-                <a:rPr lang="en-US" sz="3200" dirty="0" smtClean="0"/>
-                <a:t>The book </a:t>
-              </a:r>
-              <a:r>
-                <a:rPr lang="en-US" sz="3200" dirty="0" smtClean="0">
-                  <a:solidFill>
-                    <a:schemeClr val="tx1">
-                      <a:lumMod val="50000"/>
-                      <a:lumOff val="50000"/>
-                    </a:schemeClr>
-                  </a:solidFill>
-                </a:rPr>
-                <a:t>that the cat pushed </a:t>
-              </a:r>
-              <a:r>
-                <a:rPr lang="en-US" sz="3200" dirty="0" smtClean="0"/>
-                <a:t>fell over.</a:t>
-              </a:r>
-              <a:endParaRPr lang="en-US" sz="3200" dirty="0"/>
-            </a:p>
-          </p:txBody>
-        </p:sp>
-        <p:sp>
-          <p:nvSpPr>
-            <p:cNvPr id="8" name="Left Brace 7"/>
-            <p:cNvSpPr/>
-            <p:nvPr/>
-          </p:nvSpPr>
-          <p:spPr>
-            <a:xfrm rot="5400000">
-              <a:off x="4672394" y="4795145"/>
-              <a:ext cx="227472" cy="2547304"/>
-            </a:xfrm>
-            <a:prstGeom prst="leftBrace">
-              <a:avLst/>
-            </a:prstGeom>
-            <a:ln w="38100" cmpd="sng">
-              <a:solidFill>
-                <a:schemeClr val="tx1">
-                  <a:lumMod val="50000"/>
-                  <a:lumOff val="50000"/>
-                </a:schemeClr>
-              </a:solidFill>
-            </a:ln>
-            <a:effectLst/>
+            <a:ln w="38100" cmpd="sng"/>
           </p:spPr>
           <p:style>
             <a:lnRef idx="2">
-              <a:schemeClr val="accent1"/>
+              <a:schemeClr val="dk1"/>
             </a:lnRef>
-            <a:fillRef idx="0">
-              <a:schemeClr val="accent1"/>
+            <a:fillRef idx="1">
+              <a:schemeClr val="lt1"/>
             </a:fillRef>
-            <a:effectRef idx="1">
-              <a:schemeClr val="accent1"/>
+            <a:effectRef idx="0">
+              <a:schemeClr val="dk1"/>
             </a:effectRef>
             <a:fontRef idx="minor">
-              <a:schemeClr val="tx1"/>
+              <a:schemeClr val="dk1"/>
             </a:fontRef>
           </p:style>
           <p:txBody>
@@ -4658,135 +3684,40 @@
             <a:lstStyle/>
             <a:p>
               <a:pPr algn="ctr"/>
-              <a:endParaRPr lang="en-US">
-                <a:solidFill>
-                  <a:srgbClr val="7F7F7F"/>
-                </a:solidFill>
-              </a:endParaRPr>
+              <a:endParaRPr lang="en-US" sz="2800" dirty="0"/>
             </a:p>
           </p:txBody>
         </p:sp>
         <p:sp>
           <p:nvSpPr>
-            <p:cNvPr id="21" name="Left Brace 20"/>
+            <p:cNvPr id="18" name="Isosceles Triangle 17"/>
             <p:cNvSpPr/>
             <p:nvPr/>
           </p:nvSpPr>
           <p:spPr>
-            <a:xfrm rot="5400000">
-              <a:off x="2460247" y="5491334"/>
-              <a:ext cx="265432" cy="1192883"/>
+            <a:xfrm rot="11259052" flipH="1">
+              <a:off x="3656421" y="4031828"/>
+              <a:ext cx="120690" cy="91833"/>
             </a:xfrm>
-            <a:prstGeom prst="leftBrace">
+            <a:prstGeom prst="triangle">
               <a:avLst/>
             </a:prstGeom>
-            <a:ln w="38100" cmpd="sng">
-              <a:solidFill>
-                <a:schemeClr val="tx1"/>
-              </a:solidFill>
-            </a:ln>
-            <a:effectLst/>
+            <a:ln/>
           </p:spPr>
           <p:style>
             <a:lnRef idx="2">
-              <a:schemeClr val="accent1"/>
+              <a:schemeClr val="dk1">
+                <a:shade val="50000"/>
+              </a:schemeClr>
             </a:lnRef>
-            <a:fillRef idx="0">
-              <a:schemeClr val="accent1"/>
+            <a:fillRef idx="1">
+              <a:schemeClr val="dk1"/>
             </a:fillRef>
-            <a:effectRef idx="1">
-              <a:schemeClr val="accent1"/>
+            <a:effectRef idx="0">
+              <a:schemeClr val="dk1"/>
             </a:effectRef>
             <a:fontRef idx="minor">
-              <a:schemeClr val="tx1"/>
-            </a:fontRef>
-          </p:style>
-          <p:txBody>
-            <a:bodyPr rtlCol="0" anchor="ctr"/>
-            <a:lstStyle/>
-            <a:p>
-              <a:pPr algn="ctr"/>
-              <a:endParaRPr lang="en-US"/>
-            </a:p>
-          </p:txBody>
-        </p:sp>
-        <p:sp>
-          <p:nvSpPr>
-            <p:cNvPr id="24" name="Left Brace 23"/>
-            <p:cNvSpPr/>
-            <p:nvPr/>
-          </p:nvSpPr>
-          <p:spPr>
-            <a:xfrm rot="5400000">
-              <a:off x="6811872" y="5617483"/>
-              <a:ext cx="227475" cy="902629"/>
-            </a:xfrm>
-            <a:prstGeom prst="leftBrace">
-              <a:avLst/>
-            </a:prstGeom>
-            <a:ln w="38100" cmpd="sng">
-              <a:solidFill>
-                <a:schemeClr val="tx1"/>
-              </a:solidFill>
-            </a:ln>
-            <a:effectLst/>
-          </p:spPr>
-          <p:style>
-            <a:lnRef idx="2">
-              <a:schemeClr val="accent1"/>
-            </a:lnRef>
-            <a:fillRef idx="0">
-              <a:schemeClr val="accent1"/>
-            </a:fillRef>
-            <a:effectRef idx="1">
-              <a:schemeClr val="accent1"/>
-            </a:effectRef>
-            <a:fontRef idx="minor">
-              <a:schemeClr val="tx1"/>
-            </a:fontRef>
-          </p:style>
-          <p:txBody>
-            <a:bodyPr rtlCol="0" anchor="ctr"/>
-            <a:lstStyle/>
-            <a:p>
-              <a:pPr algn="ctr"/>
-              <a:endParaRPr lang="en-US"/>
-            </a:p>
-          </p:txBody>
-        </p:sp>
-        <p:sp>
-          <p:nvSpPr>
-            <p:cNvPr id="27" name="Left Brace 26"/>
-            <p:cNvSpPr/>
-            <p:nvPr/>
-          </p:nvSpPr>
-          <p:spPr>
-            <a:xfrm rot="5400000">
-              <a:off x="4431174" y="3469068"/>
-              <a:ext cx="647779" cy="4324204"/>
-            </a:xfrm>
-            <a:prstGeom prst="leftBrace">
-              <a:avLst/>
-            </a:prstGeom>
-            <a:ln w="38100" cmpd="sng">
-              <a:solidFill>
-                <a:schemeClr val="tx1"/>
-              </a:solidFill>
-            </a:ln>
-            <a:effectLst/>
-          </p:spPr>
-          <p:style>
-            <a:lnRef idx="2">
-              <a:schemeClr val="accent1"/>
-            </a:lnRef>
-            <a:fillRef idx="0">
-              <a:schemeClr val="accent1"/>
-            </a:fillRef>
-            <a:effectRef idx="1">
-              <a:schemeClr val="accent1"/>
-            </a:effectRef>
-            <a:fontRef idx="minor">
-              <a:schemeClr val="tx1"/>
+              <a:schemeClr val="lt1"/>
             </a:fontRef>
           </p:style>
           <p:txBody>
@@ -4801,67 +3732,975 @@
       </p:grpSp>
       <p:sp>
         <p:nvSpPr>
-          <p:cNvPr id="15" name="TextBox 14"/>
-          <p:cNvSpPr txBox="1"/>
+          <p:cNvPr id="2" name="Title 1"/>
+          <p:cNvSpPr>
+            <a:spLocks noGrp="1"/>
+          </p:cNvSpPr>
+          <p:nvPr>
+            <p:ph type="title"/>
+          </p:nvPr>
+        </p:nvSpPr>
+        <p:spPr/>
+        <p:txBody>
+          <a:bodyPr>
+            <a:normAutofit fontScale="90000"/>
+          </a:bodyPr>
+          <a:lstStyle/>
+          <a:p>
+            <a:r>
+              <a:rPr lang="en-US" dirty="0"/>
+              <a:t>Birdsong is modeled as a Markov chain</a:t>
+            </a:r>
+            <a:endParaRPr lang="en-US" dirty="0"/>
+          </a:p>
+        </p:txBody>
+      </p:sp>
+      <p:sp>
+        <p:nvSpPr>
+          <p:cNvPr id="49" name="Oval 48"/>
+          <p:cNvSpPr/>
           <p:nvPr/>
         </p:nvSpPr>
         <p:spPr>
           <a:xfrm>
-            <a:off x="6784807" y="1943172"/>
-            <a:ext cx="863362" cy="1815882"/>
+            <a:off x="4363061" y="4954089"/>
+            <a:ext cx="530289" cy="530357"/>
+          </a:xfrm>
+          <a:prstGeom prst="ellipse">
+            <a:avLst/>
+          </a:prstGeom>
+        </p:spPr>
+        <p:style>
+          <a:lnRef idx="2">
+            <a:schemeClr val="dk1"/>
+          </a:lnRef>
+          <a:fillRef idx="1">
+            <a:schemeClr val="lt1"/>
+          </a:fillRef>
+          <a:effectRef idx="0">
+            <a:schemeClr val="dk1"/>
+          </a:effectRef>
+          <a:fontRef idx="minor">
+            <a:schemeClr val="dk1"/>
+          </a:fontRef>
+        </p:style>
+        <p:txBody>
+          <a:bodyPr rtlCol="0" anchor="ctr"/>
+          <a:lstStyle/>
+          <a:p>
+            <a:pPr algn="ctr"/>
+            <a:r>
+              <a:rPr lang="en-US" sz="2800" dirty="0"/>
+              <a:t>a</a:t>
+            </a:r>
+          </a:p>
+        </p:txBody>
+      </p:sp>
+      <p:sp>
+        <p:nvSpPr>
+          <p:cNvPr id="50" name="Oval 49"/>
+          <p:cNvSpPr/>
+          <p:nvPr/>
+        </p:nvSpPr>
+        <p:spPr>
+          <a:xfrm>
+            <a:off x="5287971" y="4306819"/>
+            <a:ext cx="530289" cy="530357"/>
+          </a:xfrm>
+          <a:prstGeom prst="ellipse">
+            <a:avLst/>
+          </a:prstGeom>
+        </p:spPr>
+        <p:style>
+          <a:lnRef idx="2">
+            <a:schemeClr val="dk1"/>
+          </a:lnRef>
+          <a:fillRef idx="1">
+            <a:schemeClr val="lt1"/>
+          </a:fillRef>
+          <a:effectRef idx="0">
+            <a:schemeClr val="dk1"/>
+          </a:effectRef>
+          <a:fontRef idx="minor">
+            <a:schemeClr val="dk1"/>
+          </a:fontRef>
+        </p:style>
+        <p:txBody>
+          <a:bodyPr rtlCol="0" anchor="ctr"/>
+          <a:lstStyle/>
+          <a:p>
+            <a:pPr algn="ctr"/>
+            <a:r>
+              <a:rPr lang="en-US" sz="2800" dirty="0"/>
+              <a:t>b</a:t>
+            </a:r>
+            <a:endParaRPr lang="en-US" sz="2800" dirty="0"/>
+          </a:p>
+        </p:txBody>
+      </p:sp>
+      <p:sp>
+        <p:nvSpPr>
+          <p:cNvPr id="51" name="Oval 50"/>
+          <p:cNvSpPr/>
+          <p:nvPr/>
+        </p:nvSpPr>
+        <p:spPr>
+          <a:xfrm>
+            <a:off x="6168504" y="4306819"/>
+            <a:ext cx="530289" cy="530357"/>
+          </a:xfrm>
+          <a:prstGeom prst="ellipse">
+            <a:avLst/>
+          </a:prstGeom>
+        </p:spPr>
+        <p:style>
+          <a:lnRef idx="2">
+            <a:schemeClr val="dk1"/>
+          </a:lnRef>
+          <a:fillRef idx="1">
+            <a:schemeClr val="lt1"/>
+          </a:fillRef>
+          <a:effectRef idx="0">
+            <a:schemeClr val="dk1"/>
+          </a:effectRef>
+          <a:fontRef idx="minor">
+            <a:schemeClr val="dk1"/>
+          </a:fontRef>
+        </p:style>
+        <p:txBody>
+          <a:bodyPr rtlCol="0" anchor="ctr"/>
+          <a:lstStyle/>
+          <a:p>
+            <a:pPr algn="ctr"/>
+            <a:r>
+              <a:rPr lang="en-US" sz="2800" dirty="0"/>
+              <a:t>c</a:t>
+            </a:r>
+            <a:endParaRPr lang="en-US" sz="2800" dirty="0"/>
+          </a:p>
+        </p:txBody>
+      </p:sp>
+      <p:cxnSp>
+        <p:nvCxnSpPr>
+          <p:cNvPr id="52" name="Straight Arrow Connector 51"/>
+          <p:cNvCxnSpPr>
+            <a:stCxn id="49" idx="7"/>
+            <a:endCxn id="50" idx="3"/>
+          </p:cNvCxnSpPr>
+          <p:nvPr/>
+        </p:nvCxnSpPr>
+        <p:spPr>
+          <a:xfrm flipV="1">
+            <a:off x="4815691" y="4759507"/>
+            <a:ext cx="549939" cy="272251"/>
+          </a:xfrm>
+          <a:prstGeom prst="straightConnector1">
+            <a:avLst/>
+          </a:prstGeom>
+          <a:ln w="57150" cmpd="sng">
+            <a:solidFill>
+              <a:schemeClr val="tx1"/>
+            </a:solidFill>
+            <a:headEnd type="none"/>
+            <a:tailEnd type="triangle"/>
+          </a:ln>
+          <a:effectLst/>
+        </p:spPr>
+        <p:style>
+          <a:lnRef idx="2">
+            <a:schemeClr val="dk1"/>
+          </a:lnRef>
+          <a:fillRef idx="0">
+            <a:schemeClr val="dk1"/>
+          </a:fillRef>
+          <a:effectRef idx="1">
+            <a:schemeClr val="dk1"/>
+          </a:effectRef>
+          <a:fontRef idx="minor">
+            <a:schemeClr val="tx1"/>
+          </a:fontRef>
+        </p:style>
+      </p:cxnSp>
+      <p:cxnSp>
+        <p:nvCxnSpPr>
+          <p:cNvPr id="57" name="Straight Arrow Connector 56"/>
+          <p:cNvCxnSpPr>
+            <a:stCxn id="50" idx="6"/>
+          </p:cNvCxnSpPr>
+          <p:nvPr/>
+        </p:nvCxnSpPr>
+        <p:spPr>
+          <a:xfrm>
+            <a:off x="5818260" y="4571998"/>
+            <a:ext cx="367178" cy="0"/>
+          </a:xfrm>
+          <a:prstGeom prst="straightConnector1">
+            <a:avLst/>
+          </a:prstGeom>
+          <a:ln w="57150" cmpd="sng">
+            <a:solidFill>
+              <a:schemeClr val="tx1"/>
+            </a:solidFill>
+            <a:headEnd type="none"/>
+            <a:tailEnd type="triangle"/>
+          </a:ln>
+          <a:effectLst/>
+        </p:spPr>
+        <p:style>
+          <a:lnRef idx="2">
+            <a:schemeClr val="dk1"/>
+          </a:lnRef>
+          <a:fillRef idx="0">
+            <a:schemeClr val="dk1"/>
+          </a:fillRef>
+          <a:effectRef idx="1">
+            <a:schemeClr val="dk1"/>
+          </a:effectRef>
+          <a:fontRef idx="minor">
+            <a:schemeClr val="tx1"/>
+          </a:fontRef>
+        </p:style>
+      </p:cxnSp>
+      <p:sp>
+        <p:nvSpPr>
+          <p:cNvPr id="60" name="Oval 59"/>
+          <p:cNvSpPr/>
+          <p:nvPr/>
+        </p:nvSpPr>
+        <p:spPr>
+          <a:xfrm>
+            <a:off x="5260528" y="5974620"/>
+            <a:ext cx="530289" cy="530357"/>
+          </a:xfrm>
+          <a:prstGeom prst="ellipse">
+            <a:avLst/>
+          </a:prstGeom>
+        </p:spPr>
+        <p:style>
+          <a:lnRef idx="2">
+            <a:schemeClr val="dk1"/>
+          </a:lnRef>
+          <a:fillRef idx="1">
+            <a:schemeClr val="lt1"/>
+          </a:fillRef>
+          <a:effectRef idx="0">
+            <a:schemeClr val="dk1"/>
+          </a:effectRef>
+          <a:fontRef idx="minor">
+            <a:schemeClr val="dk1"/>
+          </a:fontRef>
+        </p:style>
+        <p:txBody>
+          <a:bodyPr rtlCol="0" anchor="ctr"/>
+          <a:lstStyle/>
+          <a:p>
+            <a:pPr algn="ctr"/>
+            <a:r>
+              <a:rPr lang="en-US" sz="2800" dirty="0"/>
+              <a:t>e</a:t>
+            </a:r>
+          </a:p>
+        </p:txBody>
+      </p:sp>
+      <p:sp>
+        <p:nvSpPr>
+          <p:cNvPr id="61" name="Oval 60"/>
+          <p:cNvSpPr/>
+          <p:nvPr/>
+        </p:nvSpPr>
+        <p:spPr>
+          <a:xfrm>
+            <a:off x="6141061" y="5974620"/>
+            <a:ext cx="530289" cy="530357"/>
+          </a:xfrm>
+          <a:prstGeom prst="ellipse">
+            <a:avLst/>
+          </a:prstGeom>
+        </p:spPr>
+        <p:style>
+          <a:lnRef idx="2">
+            <a:schemeClr val="dk1"/>
+          </a:lnRef>
+          <a:fillRef idx="1">
+            <a:schemeClr val="lt1"/>
+          </a:fillRef>
+          <a:effectRef idx="0">
+            <a:schemeClr val="dk1"/>
+          </a:effectRef>
+          <a:fontRef idx="minor">
+            <a:schemeClr val="dk1"/>
+          </a:fontRef>
+        </p:style>
+        <p:txBody>
+          <a:bodyPr rtlCol="0" anchor="ctr"/>
+          <a:lstStyle/>
+          <a:p>
+            <a:pPr algn="ctr"/>
+            <a:r>
+              <a:rPr lang="en-US" sz="2800" dirty="0"/>
+              <a:t>f</a:t>
+            </a:r>
+          </a:p>
+        </p:txBody>
+      </p:sp>
+      <p:cxnSp>
+        <p:nvCxnSpPr>
+          <p:cNvPr id="62" name="Straight Arrow Connector 61"/>
+          <p:cNvCxnSpPr>
+            <a:stCxn id="60" idx="6"/>
+          </p:cNvCxnSpPr>
+          <p:nvPr/>
+        </p:nvCxnSpPr>
+        <p:spPr>
+          <a:xfrm>
+            <a:off x="5790817" y="6239799"/>
+            <a:ext cx="367178" cy="0"/>
+          </a:xfrm>
+          <a:prstGeom prst="straightConnector1">
+            <a:avLst/>
+          </a:prstGeom>
+          <a:ln w="57150" cmpd="sng">
+            <a:solidFill>
+              <a:schemeClr val="tx1"/>
+            </a:solidFill>
+            <a:headEnd type="none"/>
+            <a:tailEnd type="triangle"/>
+          </a:ln>
+          <a:effectLst/>
+        </p:spPr>
+        <p:style>
+          <a:lnRef idx="2">
+            <a:schemeClr val="dk1"/>
+          </a:lnRef>
+          <a:fillRef idx="0">
+            <a:schemeClr val="dk1"/>
+          </a:fillRef>
+          <a:effectRef idx="1">
+            <a:schemeClr val="dk1"/>
+          </a:effectRef>
+          <a:fontRef idx="minor">
+            <a:schemeClr val="tx1"/>
+          </a:fontRef>
+        </p:style>
+      </p:cxnSp>
+      <p:cxnSp>
+        <p:nvCxnSpPr>
+          <p:cNvPr id="63" name="Straight Arrow Connector 62"/>
+          <p:cNvCxnSpPr>
+            <a:stCxn id="49" idx="5"/>
+            <a:endCxn id="60" idx="2"/>
+          </p:cNvCxnSpPr>
+          <p:nvPr/>
+        </p:nvCxnSpPr>
+        <p:spPr>
+          <a:xfrm>
+            <a:off x="4815691" y="5406777"/>
+            <a:ext cx="444837" cy="833022"/>
+          </a:xfrm>
+          <a:prstGeom prst="straightConnector1">
+            <a:avLst/>
+          </a:prstGeom>
+          <a:ln w="57150" cmpd="sng">
+            <a:solidFill>
+              <a:schemeClr val="tx1"/>
+            </a:solidFill>
+            <a:headEnd type="none"/>
+            <a:tailEnd type="triangle"/>
+          </a:ln>
+          <a:effectLst/>
+        </p:spPr>
+        <p:style>
+          <a:lnRef idx="2">
+            <a:schemeClr val="dk1"/>
+          </a:lnRef>
+          <a:fillRef idx="0">
+            <a:schemeClr val="dk1"/>
+          </a:fillRef>
+          <a:effectRef idx="1">
+            <a:schemeClr val="dk1"/>
+          </a:effectRef>
+          <a:fontRef idx="minor">
+            <a:schemeClr val="tx1"/>
+          </a:fontRef>
+        </p:style>
+      </p:cxnSp>
+      <p:sp>
+        <p:nvSpPr>
+          <p:cNvPr id="71" name="Oval 70"/>
+          <p:cNvSpPr/>
+          <p:nvPr/>
+        </p:nvSpPr>
+        <p:spPr>
+          <a:xfrm>
+            <a:off x="7049036" y="4308173"/>
+            <a:ext cx="530289" cy="530357"/>
+          </a:xfrm>
+          <a:prstGeom prst="ellipse">
+            <a:avLst/>
+          </a:prstGeom>
+        </p:spPr>
+        <p:style>
+          <a:lnRef idx="2">
+            <a:schemeClr val="dk1"/>
+          </a:lnRef>
+          <a:fillRef idx="1">
+            <a:schemeClr val="lt1"/>
+          </a:fillRef>
+          <a:effectRef idx="0">
+            <a:schemeClr val="dk1"/>
+          </a:effectRef>
+          <a:fontRef idx="minor">
+            <a:schemeClr val="dk1"/>
+          </a:fontRef>
+        </p:style>
+        <p:txBody>
+          <a:bodyPr rtlCol="0" anchor="ctr"/>
+          <a:lstStyle/>
+          <a:p>
+            <a:pPr algn="ctr"/>
+            <a:r>
+              <a:rPr lang="en-US" sz="2800" dirty="0"/>
+              <a:t>d</a:t>
+            </a:r>
+          </a:p>
+        </p:txBody>
+      </p:sp>
+      <p:cxnSp>
+        <p:nvCxnSpPr>
+          <p:cNvPr id="72" name="Straight Arrow Connector 71"/>
+          <p:cNvCxnSpPr>
+            <a:stCxn id="51" idx="6"/>
+            <a:endCxn id="71" idx="2"/>
+          </p:cNvCxnSpPr>
+          <p:nvPr/>
+        </p:nvCxnSpPr>
+        <p:spPr>
+          <a:xfrm>
+            <a:off x="6698793" y="4571998"/>
+            <a:ext cx="350243" cy="1354"/>
+          </a:xfrm>
+          <a:prstGeom prst="straightConnector1">
+            <a:avLst/>
+          </a:prstGeom>
+          <a:ln w="57150" cmpd="sng">
+            <a:solidFill>
+              <a:schemeClr val="tx1"/>
+            </a:solidFill>
+            <a:headEnd type="none"/>
+            <a:tailEnd type="triangle"/>
+          </a:ln>
+          <a:effectLst/>
+        </p:spPr>
+        <p:style>
+          <a:lnRef idx="2">
+            <a:schemeClr val="dk1"/>
+          </a:lnRef>
+          <a:fillRef idx="0">
+            <a:schemeClr val="dk1"/>
+          </a:fillRef>
+          <a:effectRef idx="1">
+            <a:schemeClr val="dk1"/>
+          </a:effectRef>
+          <a:fontRef idx="minor">
+            <a:schemeClr val="tx1"/>
+          </a:fontRef>
+        </p:style>
+      </p:cxnSp>
+      <p:cxnSp>
+        <p:nvCxnSpPr>
+          <p:cNvPr id="76" name="Curved Connector 75"/>
+          <p:cNvCxnSpPr>
+            <a:stCxn id="61" idx="3"/>
+            <a:endCxn id="49" idx="4"/>
+          </p:cNvCxnSpPr>
+          <p:nvPr/>
+        </p:nvCxnSpPr>
+        <p:spPr>
+          <a:xfrm rot="5400000" flipH="1">
+            <a:off x="4952032" y="5160620"/>
+            <a:ext cx="942862" cy="1590514"/>
+          </a:xfrm>
+          <a:prstGeom prst="curvedConnector3">
+            <a:avLst>
+              <a:gd name="adj1" fmla="val -32483"/>
+            </a:avLst>
+          </a:prstGeom>
+          <a:ln w="57150" cmpd="sng">
+            <a:headEnd type="none"/>
+            <a:tailEnd type="triangle"/>
+          </a:ln>
+          <a:effectLst/>
+        </p:spPr>
+        <p:style>
+          <a:lnRef idx="2">
+            <a:schemeClr val="dk1"/>
+          </a:lnRef>
+          <a:fillRef idx="0">
+            <a:schemeClr val="dk1"/>
+          </a:fillRef>
+          <a:effectRef idx="1">
+            <a:schemeClr val="dk1"/>
+          </a:effectRef>
+          <a:fontRef idx="minor">
+            <a:schemeClr val="tx1"/>
+          </a:fontRef>
+        </p:style>
+      </p:cxnSp>
+      <p:cxnSp>
+        <p:nvCxnSpPr>
+          <p:cNvPr id="84" name="Curved Connector 83"/>
+          <p:cNvCxnSpPr>
+            <a:stCxn id="71" idx="1"/>
+            <a:endCxn id="49" idx="1"/>
+          </p:cNvCxnSpPr>
+          <p:nvPr/>
+        </p:nvCxnSpPr>
+        <p:spPr>
+          <a:xfrm rot="16200000" flipH="1" flipV="1">
+            <a:off x="5460750" y="3365812"/>
+            <a:ext cx="645916" cy="2685975"/>
+          </a:xfrm>
+          <a:prstGeom prst="curvedConnector3">
+            <a:avLst>
+              <a:gd name="adj1" fmla="val -47416"/>
+            </a:avLst>
+          </a:prstGeom>
+          <a:ln w="57150" cmpd="sng">
+            <a:headEnd type="none"/>
+            <a:tailEnd type="triangle"/>
+          </a:ln>
+          <a:effectLst/>
+        </p:spPr>
+        <p:style>
+          <a:lnRef idx="2">
+            <a:schemeClr val="dk1"/>
+          </a:lnRef>
+          <a:fillRef idx="0">
+            <a:schemeClr val="dk1"/>
+          </a:fillRef>
+          <a:effectRef idx="1">
+            <a:schemeClr val="dk1"/>
+          </a:effectRef>
+          <a:fontRef idx="minor">
+            <a:schemeClr val="tx1"/>
+          </a:fontRef>
+        </p:style>
+      </p:cxnSp>
+      <p:sp>
+        <p:nvSpPr>
+          <p:cNvPr id="89" name="Oval 88"/>
+          <p:cNvSpPr/>
+          <p:nvPr/>
+        </p:nvSpPr>
+        <p:spPr>
+          <a:xfrm>
+            <a:off x="6168503" y="5272771"/>
+            <a:ext cx="530289" cy="530357"/>
+          </a:xfrm>
+          <a:prstGeom prst="ellipse">
+            <a:avLst/>
+          </a:prstGeom>
+        </p:spPr>
+        <p:style>
+          <a:lnRef idx="2">
+            <a:schemeClr val="dk1"/>
+          </a:lnRef>
+          <a:fillRef idx="1">
+            <a:schemeClr val="lt1"/>
+          </a:fillRef>
+          <a:effectRef idx="0">
+            <a:schemeClr val="dk1"/>
+          </a:effectRef>
+          <a:fontRef idx="minor">
+            <a:schemeClr val="dk1"/>
+          </a:fontRef>
+        </p:style>
+        <p:txBody>
+          <a:bodyPr rtlCol="0" anchor="ctr"/>
+          <a:lstStyle/>
+          <a:p>
+            <a:pPr algn="ctr"/>
+            <a:r>
+              <a:rPr lang="en-US" sz="2800" dirty="0"/>
+              <a:t>g</a:t>
+            </a:r>
+          </a:p>
+        </p:txBody>
+      </p:sp>
+      <p:sp>
+        <p:nvSpPr>
+          <p:cNvPr id="90" name="Oval 89"/>
+          <p:cNvSpPr/>
+          <p:nvPr/>
+        </p:nvSpPr>
+        <p:spPr>
+          <a:xfrm>
+            <a:off x="7049036" y="5272771"/>
+            <a:ext cx="530289" cy="530357"/>
+          </a:xfrm>
+          <a:prstGeom prst="ellipse">
+            <a:avLst/>
+          </a:prstGeom>
+        </p:spPr>
+        <p:style>
+          <a:lnRef idx="2">
+            <a:schemeClr val="dk1"/>
+          </a:lnRef>
+          <a:fillRef idx="1">
+            <a:schemeClr val="lt1"/>
+          </a:fillRef>
+          <a:effectRef idx="0">
+            <a:schemeClr val="dk1"/>
+          </a:effectRef>
+          <a:fontRef idx="minor">
+            <a:schemeClr val="dk1"/>
+          </a:fontRef>
+        </p:style>
+        <p:txBody>
+          <a:bodyPr rtlCol="0" anchor="ctr"/>
+          <a:lstStyle/>
+          <a:p>
+            <a:pPr algn="ctr"/>
+            <a:r>
+              <a:rPr lang="en-US" sz="2800" dirty="0"/>
+              <a:t>h</a:t>
+            </a:r>
+          </a:p>
+        </p:txBody>
+      </p:sp>
+      <p:cxnSp>
+        <p:nvCxnSpPr>
+          <p:cNvPr id="91" name="Straight Arrow Connector 90"/>
+          <p:cNvCxnSpPr>
+            <a:stCxn id="89" idx="6"/>
+          </p:cNvCxnSpPr>
+          <p:nvPr/>
+        </p:nvCxnSpPr>
+        <p:spPr>
+          <a:xfrm>
+            <a:off x="6698792" y="5537950"/>
+            <a:ext cx="367178" cy="0"/>
+          </a:xfrm>
+          <a:prstGeom prst="straightConnector1">
+            <a:avLst/>
+          </a:prstGeom>
+          <a:ln w="57150" cmpd="sng">
+            <a:solidFill>
+              <a:schemeClr val="tx1"/>
+            </a:solidFill>
+            <a:headEnd type="none"/>
+            <a:tailEnd type="triangle"/>
+          </a:ln>
+          <a:effectLst/>
+        </p:spPr>
+        <p:style>
+          <a:lnRef idx="2">
+            <a:schemeClr val="dk1"/>
+          </a:lnRef>
+          <a:fillRef idx="0">
+            <a:schemeClr val="dk1"/>
+          </a:fillRef>
+          <a:effectRef idx="1">
+            <a:schemeClr val="dk1"/>
+          </a:effectRef>
+          <a:fontRef idx="minor">
+            <a:schemeClr val="tx1"/>
+          </a:fontRef>
+        </p:style>
+      </p:cxnSp>
+      <p:sp>
+        <p:nvSpPr>
+          <p:cNvPr id="92" name="Oval 91"/>
+          <p:cNvSpPr/>
+          <p:nvPr/>
+        </p:nvSpPr>
+        <p:spPr>
+          <a:xfrm>
+            <a:off x="7929568" y="5274125"/>
+            <a:ext cx="530289" cy="530357"/>
+          </a:xfrm>
+          <a:prstGeom prst="ellipse">
+            <a:avLst/>
+          </a:prstGeom>
+        </p:spPr>
+        <p:style>
+          <a:lnRef idx="2">
+            <a:schemeClr val="dk1"/>
+          </a:lnRef>
+          <a:fillRef idx="1">
+            <a:schemeClr val="lt1"/>
+          </a:fillRef>
+          <a:effectRef idx="0">
+            <a:schemeClr val="dk1"/>
+          </a:effectRef>
+          <a:fontRef idx="minor">
+            <a:schemeClr val="dk1"/>
+          </a:fontRef>
+        </p:style>
+        <p:txBody>
+          <a:bodyPr rtlCol="0" anchor="ctr"/>
+          <a:lstStyle/>
+          <a:p>
+            <a:pPr algn="ctr"/>
+            <a:r>
+              <a:rPr lang="en-US" sz="2800" dirty="0"/>
+              <a:t>i</a:t>
+            </a:r>
+            <a:endParaRPr lang="en-US" sz="2800" dirty="0"/>
+          </a:p>
+        </p:txBody>
+      </p:sp>
+      <p:cxnSp>
+        <p:nvCxnSpPr>
+          <p:cNvPr id="93" name="Straight Arrow Connector 92"/>
+          <p:cNvCxnSpPr>
+            <a:stCxn id="90" idx="6"/>
+            <a:endCxn id="92" idx="2"/>
+          </p:cNvCxnSpPr>
+          <p:nvPr/>
+        </p:nvCxnSpPr>
+        <p:spPr>
+          <a:xfrm>
+            <a:off x="7579325" y="5537950"/>
+            <a:ext cx="350243" cy="1354"/>
+          </a:xfrm>
+          <a:prstGeom prst="straightConnector1">
+            <a:avLst/>
+          </a:prstGeom>
+          <a:ln w="57150" cmpd="sng">
+            <a:solidFill>
+              <a:schemeClr val="tx1"/>
+            </a:solidFill>
+            <a:headEnd type="none"/>
+            <a:tailEnd type="triangle"/>
+          </a:ln>
+          <a:effectLst/>
+        </p:spPr>
+        <p:style>
+          <a:lnRef idx="2">
+            <a:schemeClr val="dk1"/>
+          </a:lnRef>
+          <a:fillRef idx="0">
+            <a:schemeClr val="dk1"/>
+          </a:fillRef>
+          <a:effectRef idx="1">
+            <a:schemeClr val="dk1"/>
+          </a:effectRef>
+          <a:fontRef idx="minor">
+            <a:schemeClr val="tx1"/>
+          </a:fontRef>
+        </p:style>
+      </p:cxnSp>
+      <p:cxnSp>
+        <p:nvCxnSpPr>
+          <p:cNvPr id="96" name="Straight Arrow Connector 95"/>
+          <p:cNvCxnSpPr>
+            <a:stCxn id="60" idx="7"/>
+            <a:endCxn id="89" idx="3"/>
+          </p:cNvCxnSpPr>
+          <p:nvPr/>
+        </p:nvCxnSpPr>
+        <p:spPr>
+          <a:xfrm flipV="1">
+            <a:off x="5713158" y="5725459"/>
+            <a:ext cx="533004" cy="326830"/>
+          </a:xfrm>
+          <a:prstGeom prst="straightConnector1">
+            <a:avLst/>
+          </a:prstGeom>
+          <a:ln w="57150" cmpd="sng">
+            <a:solidFill>
+              <a:schemeClr val="tx1"/>
+            </a:solidFill>
+            <a:headEnd type="none"/>
+            <a:tailEnd type="triangle"/>
+          </a:ln>
+          <a:effectLst/>
+        </p:spPr>
+        <p:style>
+          <a:lnRef idx="2">
+            <a:schemeClr val="dk1"/>
+          </a:lnRef>
+          <a:fillRef idx="0">
+            <a:schemeClr val="dk1"/>
+          </a:fillRef>
+          <a:effectRef idx="1">
+            <a:schemeClr val="dk1"/>
+          </a:effectRef>
+          <a:fontRef idx="minor">
+            <a:schemeClr val="tx1"/>
+          </a:fontRef>
+        </p:style>
+      </p:cxnSp>
+      <p:cxnSp>
+        <p:nvCxnSpPr>
+          <p:cNvPr id="108" name="Curved Connector 107"/>
+          <p:cNvCxnSpPr>
+            <a:stCxn id="92" idx="1"/>
+            <a:endCxn id="50" idx="5"/>
+          </p:cNvCxnSpPr>
+          <p:nvPr/>
+        </p:nvCxnSpPr>
+        <p:spPr>
+          <a:xfrm rot="16200000" flipV="1">
+            <a:off x="6577771" y="3922338"/>
+            <a:ext cx="592287" cy="2266626"/>
+          </a:xfrm>
+          <a:prstGeom prst="curvedConnector3">
+            <a:avLst>
+              <a:gd name="adj1" fmla="val 50000"/>
+            </a:avLst>
+          </a:prstGeom>
+          <a:ln w="57150" cmpd="sng">
+            <a:headEnd type="none"/>
+            <a:tailEnd type="triangle"/>
+          </a:ln>
+          <a:effectLst/>
+        </p:spPr>
+        <p:style>
+          <a:lnRef idx="2">
+            <a:schemeClr val="dk1"/>
+          </a:lnRef>
+          <a:fillRef idx="0">
+            <a:schemeClr val="dk1"/>
+          </a:fillRef>
+          <a:effectRef idx="1">
+            <a:schemeClr val="dk1"/>
+          </a:effectRef>
+          <a:fontRef idx="minor">
+            <a:schemeClr val="tx1"/>
+          </a:fontRef>
+        </p:style>
+      </p:cxnSp>
+      <p:pic>
+        <p:nvPicPr>
+          <p:cNvPr id="116" name="Picture 115"/>
+          <p:cNvPicPr>
+            <a:picLocks noChangeAspect="1"/>
+          </p:cNvPicPr>
+          <p:nvPr/>
+        </p:nvPicPr>
+        <p:blipFill rotWithShape="1">
+          <a:blip r:embed="rId4">
+            <a:extLst>
+              <a:ext uri="{28A0092B-C50C-407E-A947-70E740481C1C}">
+                <a14:useLocalDpi xmlns:a14="http://schemas.microsoft.com/office/drawing/2010/main" val="0"/>
+              </a:ext>
+            </a:extLst>
+          </a:blip>
+          <a:srcRect b="6564"/>
+          <a:stretch/>
+        </p:blipFill>
+        <p:spPr>
+          <a:xfrm>
+            <a:off x="842887" y="3601068"/>
+            <a:ext cx="2271833" cy="3036799"/>
           </a:xfrm>
           <a:prstGeom prst="rect">
             <a:avLst/>
           </a:prstGeom>
-          <a:noFill/>
         </p:spPr>
-        <p:txBody>
-          <a:bodyPr wrap="none" rtlCol="0">
+      </p:pic>
+      <p:sp>
+        <p:nvSpPr>
+          <p:cNvPr id="117" name="Rectangle 116"/>
+          <p:cNvSpPr/>
+          <p:nvPr/>
+        </p:nvSpPr>
+        <p:spPr>
+          <a:xfrm>
+            <a:off x="827708" y="3125415"/>
+            <a:ext cx="2184399" cy="461665"/>
+          </a:xfrm>
+          <a:prstGeom prst="rect">
+            <a:avLst/>
+          </a:prstGeom>
+        </p:spPr>
+        <p:txBody>
+          <a:bodyPr wrap="square">
             <a:spAutoFit/>
           </a:bodyPr>
           <a:lstStyle/>
           <a:p>
-            <a:r>
-              <a:rPr lang="en-US" sz="2800" dirty="0" err="1" smtClean="0"/>
-              <a:t>iacd</a:t>
-            </a:r>
-            <a:endParaRPr lang="en-US" sz="2800" dirty="0" smtClean="0"/>
-          </a:p>
-          <a:p>
-            <a:r>
-              <a:rPr lang="en-US" sz="2800" dirty="0" err="1"/>
-              <a:t>i</a:t>
-            </a:r>
-            <a:r>
-              <a:rPr lang="en-US" sz="2800" dirty="0" err="1" smtClean="0"/>
-              <a:t>ace</a:t>
-            </a:r>
-            <a:endParaRPr lang="en-US" sz="2800" dirty="0" smtClean="0"/>
-          </a:p>
-          <a:p>
-            <a:r>
-              <a:rPr lang="en-US" sz="2800" dirty="0" err="1"/>
-              <a:t>i</a:t>
-            </a:r>
-            <a:r>
-              <a:rPr lang="en-US" sz="2800" dirty="0" err="1" smtClean="0"/>
-              <a:t>bcd</a:t>
-            </a:r>
-            <a:endParaRPr lang="en-US" sz="2800" dirty="0" smtClean="0"/>
-          </a:p>
-          <a:p>
-            <a:r>
-              <a:rPr lang="en-US" sz="2800" dirty="0" err="1" smtClean="0"/>
-              <a:t>ibce</a:t>
-            </a:r>
-            <a:endParaRPr lang="en-US" sz="2800" dirty="0"/>
-          </a:p>
-        </p:txBody>
-      </p:sp>
+            <a:pPr algn="ctr"/>
+            <a:r>
+              <a:rPr lang="en-US" sz="2400" dirty="0"/>
+              <a:t>Bengalese </a:t>
+            </a:r>
+            <a:r>
+              <a:rPr lang="en-US" sz="2400" dirty="0" smtClean="0"/>
+              <a:t>finch</a:t>
+            </a:r>
+            <a:endParaRPr lang="en-US" sz="2400" dirty="0"/>
+          </a:p>
+        </p:txBody>
+      </p:sp>
+      <p:pic>
+        <p:nvPicPr>
+          <p:cNvPr id="119" name="OR20_42031.34470206_1_27_9_34_30.wav">
+            <a:hlinkClick r:id="" action="ppaction://media"/>
+          </p:cNvPr>
+          <p:cNvPicPr>
+            <a:picLocks noChangeAspect="1"/>
+          </p:cNvPicPr>
+          <p:nvPr>
+            <a:audioFile r:link="rId2"/>
+            <p:extLst>
+              <p:ext uri="{DAA4B4D4-6D71-4841-9C94-3DE7FCFB9230}">
+                <p14:media xmlns:p14="http://schemas.microsoft.com/office/powerpoint/2010/main" r:embed="rId1"/>
+              </p:ext>
+            </p:extLst>
+          </p:nvPr>
+        </p:nvPicPr>
+        <p:blipFill>
+          <a:blip r:embed="rId5"/>
+          <a:stretch>
+            <a:fillRect/>
+          </a:stretch>
+        </p:blipFill>
+        <p:spPr>
+          <a:xfrm>
+            <a:off x="8153400" y="2977272"/>
+            <a:ext cx="482600" cy="482600"/>
+          </a:xfrm>
+          <a:prstGeom prst="rect">
+            <a:avLst/>
+          </a:prstGeom>
+        </p:spPr>
+      </p:pic>
+      <p:pic>
+        <p:nvPicPr>
+          <p:cNvPr id="120" name="Picture 119" descr="spectrogram.png"/>
+          <p:cNvPicPr>
+            <a:picLocks noChangeAspect="1"/>
+          </p:cNvPicPr>
+          <p:nvPr/>
+        </p:nvPicPr>
+        <p:blipFill rotWithShape="1">
+          <a:blip r:embed="rId6">
+            <a:extLst>
+              <a:ext uri="{28A0092B-C50C-407E-A947-70E740481C1C}">
+                <a14:useLocalDpi xmlns:a14="http://schemas.microsoft.com/office/drawing/2010/main" val="0"/>
+              </a:ext>
+            </a:extLst>
+          </a:blip>
+          <a:srcRect l="4385" t="5589" r="7356" b="14449"/>
+          <a:stretch/>
+        </p:blipFill>
+        <p:spPr>
+          <a:xfrm>
+            <a:off x="546440" y="1231372"/>
+            <a:ext cx="8070390" cy="1681162"/>
+          </a:xfrm>
+          <a:prstGeom prst="rect">
+            <a:avLst/>
+          </a:prstGeom>
+        </p:spPr>
+      </p:pic>
     </p:spTree>
     <p:extLst>
       <p:ext uri="{BB962C8B-B14F-4D97-AF65-F5344CB8AC3E}">
-        <p14:creationId xmlns:p14="http://schemas.microsoft.com/office/powerpoint/2010/main" val="3806431929"/>
+        <p14:creationId xmlns:p14="http://schemas.microsoft.com/office/powerpoint/2010/main" val="2236588642"/>
       </p:ext>
     </p:extLst>
   </p:cSld>
@@ -4889,7 +4728,7 @@
                             </p:stCondLst>
                             <p:childTnLst>
                               <p:par>
-                                <p:cTn id="5" presetID="1" presetClass="entr" presetSubtype="0" fill="hold" grpId="0" nodeType="clickEffect">
+                                <p:cTn id="5" presetID="1" presetClass="entr" presetSubtype="0" fill="hold" nodeType="clickEffect">
                                   <p:stCondLst>
                                     <p:cond delay="0"/>
                                   </p:stCondLst>
@@ -4902,97 +4741,7 @@
                                           </p:stCondLst>
                                         </p:cTn>
                                         <p:tgtEl>
-                                          <p:spTgt spid="15"/>
-                                        </p:tgtEl>
-                                        <p:attrNameLst>
-                                          <p:attrName>style.visibility</p:attrName>
-                                        </p:attrNameLst>
-                                      </p:cBhvr>
-                                      <p:to>
-                                        <p:strVal val="visible"/>
-                                      </p:to>
-                                    </p:set>
-                                  </p:childTnLst>
-                                </p:cTn>
-                              </p:par>
-                            </p:childTnLst>
-                          </p:cTn>
-                        </p:par>
-                      </p:childTnLst>
-                    </p:cTn>
-                  </p:par>
-                  <p:par>
-                    <p:cTn id="7" fill="hold">
-                      <p:stCondLst>
-                        <p:cond delay="indefinite"/>
-                      </p:stCondLst>
-                      <p:childTnLst>
-                        <p:par>
-                          <p:cTn id="8" fill="hold">
-                            <p:stCondLst>
-                              <p:cond delay="0"/>
-                            </p:stCondLst>
-                            <p:childTnLst>
-                              <p:par>
-                                <p:cTn id="9" presetID="1" presetClass="entr" presetSubtype="0" fill="hold" grpId="0" nodeType="clickEffect">
-                                  <p:stCondLst>
-                                    <p:cond delay="0"/>
-                                  </p:stCondLst>
-                                  <p:childTnLst>
-                                    <p:set>
-                                      <p:cBhvr>
-                                        <p:cTn id="10" dur="1" fill="hold">
-                                          <p:stCondLst>
-                                            <p:cond delay="0"/>
-                                          </p:stCondLst>
-                                        </p:cTn>
-                                        <p:tgtEl>
-                                          <p:spTgt spid="12"/>
-                                        </p:tgtEl>
-                                        <p:attrNameLst>
-                                          <p:attrName>style.visibility</p:attrName>
-                                        </p:attrNameLst>
-                                      </p:cBhvr>
-                                      <p:to>
-                                        <p:strVal val="visible"/>
-                                      </p:to>
-                                    </p:set>
-                                  </p:childTnLst>
-                                </p:cTn>
-                              </p:par>
-                            </p:childTnLst>
-                          </p:cTn>
-                        </p:par>
-                      </p:childTnLst>
-                    </p:cTn>
-                  </p:par>
-                  <p:par>
-                    <p:cTn id="11" fill="hold">
-                      <p:stCondLst>
-                        <p:cond delay="indefinite"/>
-                      </p:stCondLst>
-                      <p:childTnLst>
-                        <p:par>
-                          <p:cTn id="12" fill="hold">
-                            <p:stCondLst>
-                              <p:cond delay="0"/>
-                            </p:stCondLst>
-                            <p:childTnLst>
-                              <p:par>
-                                <p:cTn id="13" presetID="1" presetClass="entr" presetSubtype="0" fill="hold" nodeType="clickEffect">
-                                  <p:stCondLst>
-                                    <p:cond delay="0"/>
-                                  </p:stCondLst>
-                                  <p:childTnLst>
-                                    <p:set>
-                                      <p:cBhvr>
-                                        <p:cTn id="14" dur="1" fill="hold">
-                                          <p:stCondLst>
-                                            <p:cond delay="0"/>
-                                          </p:stCondLst>
-                                        </p:cTn>
-                                        <p:tgtEl>
-                                          <p:spTgt spid="14"/>
+                                          <p:spTgt spid="3"/>
                                         </p:tgtEl>
                                         <p:attrNameLst>
                                           <p:attrName>style.visibility</p:attrName>
@@ -5028,14 +4777,87 @@
                 </p:cond>
               </p:nextCondLst>
             </p:seq>
+            <p:seq concurrent="1" nextAc="seek">
+              <p:cTn id="7" restart="whenNotActive" fill="hold" evtFilter="cancelBubble" nodeType="interactiveSeq">
+                <p:stCondLst>
+                  <p:cond evt="onClick" delay="0">
+                    <p:tgtEl>
+                      <p:spTgt spid="119"/>
+                    </p:tgtEl>
+                  </p:cond>
+                </p:stCondLst>
+                <p:endSync evt="end" delay="0">
+                  <p:rtn val="all"/>
+                </p:endSync>
+                <p:childTnLst>
+                  <p:par>
+                    <p:cTn id="8" fill="hold">
+                      <p:stCondLst>
+                        <p:cond delay="0"/>
+                      </p:stCondLst>
+                      <p:childTnLst>
+                        <p:par>
+                          <p:cTn id="9" fill="hold">
+                            <p:stCondLst>
+                              <p:cond delay="0"/>
+                            </p:stCondLst>
+                            <p:childTnLst>
+                              <p:par>
+                                <p:cTn id="10" presetID="1" presetClass="mediacall" presetSubtype="0" fill="hold" nodeType="clickEffect">
+                                  <p:stCondLst>
+                                    <p:cond delay="0"/>
+                                  </p:stCondLst>
+                                  <p:childTnLst>
+                                    <p:cmd type="call" cmd="playFrom(0.0)">
+                                      <p:cBhvr>
+                                        <p:cTn id="11" dur="14663" fill="hold"/>
+                                        <p:tgtEl>
+                                          <p:spTgt spid="119"/>
+                                        </p:tgtEl>
+                                      </p:cBhvr>
+                                    </p:cmd>
+                                  </p:childTnLst>
+                                </p:cTn>
+                              </p:par>
+                            </p:childTnLst>
+                          </p:cTn>
+                        </p:par>
+                      </p:childTnLst>
+                    </p:cTn>
+                  </p:par>
+                </p:childTnLst>
+              </p:cTn>
+              <p:nextCondLst>
+                <p:cond evt="onClick" delay="0">
+                  <p:tgtEl>
+                    <p:spTgt spid="119"/>
+                  </p:tgtEl>
+                </p:cond>
+              </p:nextCondLst>
+            </p:seq>
+            <p:audio>
+              <p:cMediaNode vol="80000">
+                <p:cTn id="12" fill="hold" display="0">
+                  <p:stCondLst>
+                    <p:cond delay="indefinite"/>
+                  </p:stCondLst>
+                  <p:endCondLst>
+                    <p:cond evt="onStopAudio" delay="0">
+                      <p:tgtEl>
+                        <p:sldTgt/>
+                      </p:tgtEl>
+                    </p:cond>
+                  </p:endCondLst>
+                </p:cTn>
+                <p:tgtEl>
+                  <p:spTgt spid="119"/>
+                </p:tgtEl>
+              </p:cMediaNode>
+            </p:audio>
           </p:childTnLst>
         </p:cTn>
       </p:par>
     </p:tnLst>
-    <p:bldLst>
-      <p:bldP spid="12" grpId="0"/>
-      <p:bldP spid="15" grpId="0"/>
-    </p:bldLst>
   </p:timing>
 </p:sld>
 </file>
@@ -5057,218 +4879,101 @@
           <a:chExt cx="0" cy="0"/>
         </a:xfrm>
       </p:grpSpPr>
-      <p:pic>
-        <p:nvPicPr>
-          <p:cNvPr id="7" name="Picture 6"/>
-          <p:cNvPicPr>
-            <a:picLocks noChangeAspect="1"/>
-          </p:cNvPicPr>
+      <p:grpSp>
+        <p:nvGrpSpPr>
+          <p:cNvPr id="3" name="Group 2"/>
+          <p:cNvGrpSpPr/>
           <p:nvPr/>
-        </p:nvPicPr>
-        <p:blipFill>
-          <a:blip r:embed="rId3">
-            <a:extLst>
-              <a:ext uri="{28A0092B-C50C-407E-A947-70E740481C1C}">
-                <a14:useLocalDpi xmlns:a14="http://schemas.microsoft.com/office/drawing/2010/main" val="0"/>
-              </a:ext>
-            </a:extLst>
-          </a:blip>
-          <a:stretch>
-            <a:fillRect/>
-          </a:stretch>
-        </p:blipFill>
-        <p:spPr>
+        </p:nvGrpSpPr>
+        <p:grpSpPr>
           <a:xfrm>
-            <a:off x="313765" y="2203439"/>
-            <a:ext cx="2855534" cy="4085191"/>
+            <a:off x="3404805" y="3895736"/>
+            <a:ext cx="372306" cy="335775"/>
+            <a:chOff x="3404805" y="3853403"/>
+            <a:chExt cx="372306" cy="335775"/>
           </a:xfrm>
-          <a:prstGeom prst="rect">
-            <a:avLst/>
-          </a:prstGeom>
-        </p:spPr>
-      </p:pic>
-      <p:pic>
-        <p:nvPicPr>
-          <p:cNvPr id="10" name="Picture 9"/>
-          <p:cNvPicPr>
-            <a:picLocks noChangeAspect="1"/>
-          </p:cNvPicPr>
-          <p:nvPr/>
-        </p:nvPicPr>
-        <p:blipFill>
-          <a:blip r:embed="rId4"/>
-          <a:stretch>
-            <a:fillRect/>
-          </a:stretch>
-        </p:blipFill>
-        <p:spPr>
-          <a:xfrm>
-            <a:off x="3646009" y="2121254"/>
-            <a:ext cx="5497992" cy="1969869"/>
-          </a:xfrm>
-          <a:prstGeom prst="rect">
-            <a:avLst/>
-          </a:prstGeom>
-        </p:spPr>
-      </p:pic>
-      <p:pic>
-        <p:nvPicPr>
-          <p:cNvPr id="9" name="Picture 8"/>
-          <p:cNvPicPr>
-            <a:picLocks noChangeAspect="1"/>
-          </p:cNvPicPr>
-          <p:nvPr/>
-        </p:nvPicPr>
-        <p:blipFill>
-          <a:blip r:embed="rId5"/>
-          <a:stretch>
-            <a:fillRect/>
-          </a:stretch>
-        </p:blipFill>
-        <p:spPr>
-          <a:xfrm>
-            <a:off x="3710643" y="4285799"/>
-            <a:ext cx="5433357" cy="2316927"/>
-          </a:xfrm>
-          <a:prstGeom prst="rect">
-            <a:avLst/>
-          </a:prstGeom>
-        </p:spPr>
-      </p:pic>
-      <p:sp>
-        <p:nvSpPr>
-          <p:cNvPr id="4" name="Rectangle 3"/>
-          <p:cNvSpPr/>
-          <p:nvPr/>
-        </p:nvSpPr>
-        <p:spPr>
-          <a:xfrm>
-            <a:off x="2835468" y="1143787"/>
-            <a:ext cx="3595831" cy="461665"/>
-          </a:xfrm>
-          <a:prstGeom prst="rect">
-            <a:avLst/>
-          </a:prstGeom>
-        </p:spPr>
-        <p:txBody>
-          <a:bodyPr wrap="none">
-            <a:spAutoFit/>
-          </a:bodyPr>
-          <a:lstStyle/>
-          <a:p>
-            <a:r>
-              <a:rPr lang="en-US" sz="2400" i="1" dirty="0" err="1"/>
-              <a:t>Lonchura</a:t>
-            </a:r>
-            <a:r>
-              <a:rPr lang="en-US" sz="2400" i="1" dirty="0"/>
-              <a:t> </a:t>
-            </a:r>
-            <a:r>
-              <a:rPr lang="en-US" sz="2400" i="1" dirty="0" err="1" smtClean="0"/>
-              <a:t>striata</a:t>
-            </a:r>
-            <a:r>
-              <a:rPr lang="en-US" sz="2400" i="1" dirty="0" smtClean="0"/>
-              <a:t> </a:t>
-            </a:r>
-            <a:r>
-              <a:rPr lang="en-US" sz="2400" i="1" dirty="0" err="1"/>
-              <a:t>domestica</a:t>
-            </a:r>
-            <a:r>
-              <a:rPr lang="en-US" sz="2400" dirty="0" smtClean="0">
-                <a:effectLst/>
-              </a:rPr>
-              <a:t> </a:t>
-            </a:r>
-            <a:endParaRPr lang="en-US" sz="2400" dirty="0"/>
-          </a:p>
-        </p:txBody>
-      </p:sp>
-      <p:sp>
-        <p:nvSpPr>
-          <p:cNvPr id="12" name="Title 1"/>
-          <p:cNvSpPr txBox="1">
-            <a:spLocks/>
-          </p:cNvSpPr>
-          <p:nvPr/>
-        </p:nvSpPr>
-        <p:spPr>
-          <a:xfrm>
-            <a:off x="457200" y="164190"/>
-            <a:ext cx="8229600" cy="1143000"/>
-          </a:xfrm>
-          <a:prstGeom prst="rect">
-            <a:avLst/>
-          </a:prstGeom>
-        </p:spPr>
-        <p:txBody>
-          <a:bodyPr vert="horz" lIns="91440" tIns="45720" rIns="91440" bIns="45720" rtlCol="0" anchor="ctr">
-            <a:normAutofit fontScale="97500"/>
-          </a:bodyPr>
-          <a:lstStyle>
-            <a:lvl1pPr algn="ctr" defTabSz="457200" rtl="0" eaLnBrk="1" latinLnBrk="0" hangingPunct="1">
-              <a:spcBef>
-                <a:spcPct val="0"/>
-              </a:spcBef>
-              <a:buNone/>
-              <a:defRPr sz="4400" kern="1200">
-                <a:solidFill>
-                  <a:schemeClr val="tx1"/>
-                </a:solidFill>
-                <a:latin typeface="+mj-lt"/>
-                <a:ea typeface="+mj-ea"/>
-                <a:cs typeface="+mj-cs"/>
-              </a:defRPr>
-            </a:lvl1pPr>
-          </a:lstStyle>
-          <a:p>
-            <a:r>
-              <a:rPr lang="en-US" dirty="0" smtClean="0"/>
-              <a:t>Bengalese finch</a:t>
-            </a:r>
-            <a:endParaRPr lang="en-US" dirty="0"/>
-          </a:p>
-        </p:txBody>
-      </p:sp>
-    </p:spTree>
-    <p:extLst>
-      <p:ext uri="{BB962C8B-B14F-4D97-AF65-F5344CB8AC3E}">
-        <p14:creationId xmlns:p14="http://schemas.microsoft.com/office/powerpoint/2010/main" val="491435831"/>
-      </p:ext>
-    </p:extLst>
-  </p:cSld>
-  <p:clrMapOvr>
-    <a:masterClrMapping/>
-  </p:clrMapOvr>
-  <p:timing>
-    <p:tnLst>
-      <p:par>
-        <p:cTn xmlns:p14="http://schemas.microsoft.com/office/powerpoint/2010/main" id="1" dur="indefinite" restart="never" nodeType="tmRoot"/>
-      </p:par>
-    </p:tnLst>
-  </p:timing>
-</p:sld>
-</file>
-
-<file path=ppt/slides/slide4.xml><?xml version="1.0" encoding="utf-8"?>
-<p:sld xmlns:a="http://schemas.openxmlformats.org/drawingml/2006/main" xmlns:r="http://schemas.openxmlformats.org/officeDocument/2006/relationships" xmlns:p="http://schemas.openxmlformats.org/presentationml/2006/main">
-  <p:cSld>
-    <p:spTree>
-      <p:nvGrpSpPr>
-        <p:cNvPr id="1" name=""/>
-        <p:cNvGrpSpPr/>
-        <p:nvPr/>
-      </p:nvGrpSpPr>
-      <p:grpSpPr>
-        <a:xfrm>
-          <a:off x="0" y="0"/>
-          <a:ext cx="0" cy="0"/>
-          <a:chOff x="0" y="0"/>
-          <a:chExt cx="0" cy="0"/>
-        </a:xfrm>
-      </p:grpSpPr>
+        </p:grpSpPr>
+        <p:sp>
+          <p:nvSpPr>
+            <p:cNvPr id="17" name="Oval 16"/>
+            <p:cNvSpPr/>
+            <p:nvPr/>
+          </p:nvSpPr>
+          <p:spPr>
+            <a:xfrm>
+              <a:off x="3404805" y="3853403"/>
+              <a:ext cx="328821" cy="335775"/>
+            </a:xfrm>
+            <a:prstGeom prst="ellipse">
+              <a:avLst/>
+            </a:prstGeom>
+            <a:ln w="38100" cmpd="sng"/>
+          </p:spPr>
+          <p:style>
+            <a:lnRef idx="2">
+              <a:schemeClr val="dk1"/>
+            </a:lnRef>
+            <a:fillRef idx="1">
+              <a:schemeClr val="lt1"/>
+            </a:fillRef>
+            <a:effectRef idx="0">
+              <a:schemeClr val="dk1"/>
+            </a:effectRef>
+            <a:fontRef idx="minor">
+              <a:schemeClr val="dk1"/>
+            </a:fontRef>
+          </p:style>
+          <p:txBody>
+            <a:bodyPr rtlCol="0" anchor="ctr"/>
+            <a:lstStyle/>
+            <a:p>
+              <a:pPr algn="ctr"/>
+              <a:endParaRPr lang="en-US" sz="2800" dirty="0"/>
+            </a:p>
+          </p:txBody>
+        </p:sp>
+        <p:sp>
+          <p:nvSpPr>
+            <p:cNvPr id="18" name="Isosceles Triangle 17"/>
+            <p:cNvSpPr/>
+            <p:nvPr/>
+          </p:nvSpPr>
+          <p:spPr>
+            <a:xfrm rot="11259052" flipH="1">
+              <a:off x="3656421" y="4031828"/>
+              <a:ext cx="120690" cy="91833"/>
+            </a:xfrm>
+            <a:prstGeom prst="triangle">
+              <a:avLst/>
+            </a:prstGeom>
+            <a:ln/>
+          </p:spPr>
+          <p:style>
+            <a:lnRef idx="2">
+              <a:schemeClr val="dk1">
+                <a:shade val="50000"/>
+              </a:schemeClr>
+            </a:lnRef>
+            <a:fillRef idx="1">
+              <a:schemeClr val="dk1"/>
+            </a:fillRef>
+            <a:effectRef idx="0">
+              <a:schemeClr val="dk1"/>
+            </a:effectRef>
+            <a:fontRef idx="minor">
+              <a:schemeClr val="lt1"/>
+            </a:fontRef>
+          </p:style>
+          <p:txBody>
+            <a:bodyPr rtlCol="0" anchor="ctr"/>
+            <a:lstStyle/>
+            <a:p>
+              <a:pPr algn="ctr"/>
+              <a:endParaRPr lang="en-US"/>
+            </a:p>
+          </p:txBody>
+        </p:sp>
+      </p:grpSp>
       <p:sp>
         <p:nvSpPr>
           <p:cNvPr id="27" name="Oval 26"/>
@@ -5327,7 +5032,11 @@
           <a:p>
             <a:r>
               <a:rPr lang="en-US" dirty="0" smtClean="0"/>
-              <a:t>Two ways to show a Markov Process</a:t>
+              <a:t>Two ways to show a Markov </a:t>
+            </a:r>
+            <a:r>
+              <a:rPr lang="en-US" dirty="0" smtClean="0"/>
+              <a:t>process</a:t>
             </a:r>
             <a:endParaRPr lang="en-US" dirty="0"/>
           </a:p>
@@ -5431,7 +5140,6 @@
               <a:rPr lang="en-US" sz="2800" dirty="0"/>
               <a:t>b</a:t>
             </a:r>
-            <a:endParaRPr lang="en-US" sz="2800" dirty="0"/>
           </a:p>
         </p:txBody>
       </p:sp>
@@ -5638,7 +5346,6 @@
               <a:rPr lang="en-US" sz="2800" dirty="0"/>
               <a:t>c</a:t>
             </a:r>
-            <a:endParaRPr lang="en-US" sz="2800" dirty="0"/>
           </a:p>
         </p:txBody>
       </p:sp>
@@ -6495,6 +6202,81 @@
   <p:clrMapOvr>
     <a:masterClrMapping/>
   </p:clrMapOvr>
+  <p:timing>
+    <p:tnLst>
+      <p:par>
+        <p:cTn xmlns:p14="http://schemas.microsoft.com/office/powerpoint/2010/main" id="1" dur="indefinite" restart="never" nodeType="tmRoot">
+          <p:childTnLst>
+            <p:seq concurrent="1" nextAc="seek">
+              <p:cTn id="2" dur="indefinite" nodeType="mainSeq">
+                <p:childTnLst>
+                  <p:par>
+                    <p:cTn id="3" fill="hold">
+                      <p:stCondLst>
+                        <p:cond delay="indefinite"/>
+                      </p:stCondLst>
+                      <p:childTnLst>
+                        <p:par>
+                          <p:cTn id="4" fill="hold">
+                            <p:stCondLst>
+                              <p:cond delay="0"/>
+                            </p:stCondLst>
+                            <p:childTnLst>
+                              <p:par>
+                                <p:cTn id="5" presetID="1" presetClass="entr" presetSubtype="0" fill="hold" nodeType="clickEffect">
+                                  <p:stCondLst>
+                                    <p:cond delay="0"/>
+                                  </p:stCondLst>
+                                  <p:childTnLst>
+                                    <p:set>
+                                      <p:cBhvr>
+                                        <p:cTn id="6" dur="1" fill="hold">
+                                          <p:stCondLst>
+                                            <p:cond delay="0"/>
+                                          </p:stCondLst>
+                                        </p:cTn>
+                                        <p:tgtEl>
+                                          <p:spTgt spid="3"/>
+                                        </p:tgtEl>
+                                        <p:attrNameLst>
+                                          <p:attrName>style.visibility</p:attrName>
+                                        </p:attrNameLst>
+                                      </p:cBhvr>
+                                      <p:to>
+                                        <p:strVal val="visible"/>
+                                      </p:to>
+                                    </p:set>
+                                  </p:childTnLst>
+                                </p:cTn>
+                              </p:par>
+                            </p:childTnLst>
+                          </p:cTn>
+                        </p:par>
+                      </p:childTnLst>
+                    </p:cTn>
+                  </p:par>
+                </p:childTnLst>
+              </p:cTn>
+              <p:prevCondLst>
+                <p:cond evt="onPrev" delay="0">
+                  <p:tgtEl>
+                    <p:sldTgt/>
+                  </p:tgtEl>
+                </p:cond>
+              </p:prevCondLst>
+              <p:nextCondLst>
+                <p:cond evt="onNext" delay="0">
+                  <p:tgtEl>
+                    <p:sldTgt/>
+                  </p:tgtEl>
+                </p:cond>
+              </p:nextCondLst>
+            </p:seq>
+          </p:childTnLst>
+        </p:cTn>
+      </p:par>
+    </p:tnLst>
+  </p:timing>
 </p:sld>
 </file>
 
